--- a/CAPSTONE PROJECT REVIEW 2.pptx
+++ b/CAPSTONE PROJECT REVIEW 2.pptx
@@ -5,10 +5,10 @@
     <p:sldMasterId id="2147483648" r:id="rId1"/>
   </p:sldMasterIdLst>
   <p:notesMasterIdLst>
-    <p:notesMasterId r:id="rId21"/>
+    <p:notesMasterId r:id="rId22"/>
   </p:notesMasterIdLst>
   <p:handoutMasterIdLst>
-    <p:handoutMasterId r:id="rId22"/>
+    <p:handoutMasterId r:id="rId23"/>
   </p:handoutMasterIdLst>
   <p:sldIdLst>
     <p:sldId id="256" r:id="rId2"/>
@@ -23,13 +23,14 @@
     <p:sldId id="295" r:id="rId11"/>
     <p:sldId id="296" r:id="rId12"/>
     <p:sldId id="297" r:id="rId13"/>
-    <p:sldId id="264" r:id="rId14"/>
-    <p:sldId id="265" r:id="rId15"/>
-    <p:sldId id="268" r:id="rId16"/>
-    <p:sldId id="290" r:id="rId17"/>
-    <p:sldId id="293" r:id="rId18"/>
-    <p:sldId id="292" r:id="rId19"/>
-    <p:sldId id="267" r:id="rId20"/>
+    <p:sldId id="298" r:id="rId14"/>
+    <p:sldId id="264" r:id="rId15"/>
+    <p:sldId id="265" r:id="rId16"/>
+    <p:sldId id="268" r:id="rId17"/>
+    <p:sldId id="290" r:id="rId18"/>
+    <p:sldId id="293" r:id="rId19"/>
+    <p:sldId id="292" r:id="rId20"/>
+    <p:sldId id="267" r:id="rId21"/>
   </p:sldIdLst>
   <p:sldSz cx="12192000" cy="6858000"/>
   <p:notesSz cx="6858000" cy="9144000"/>
@@ -218,7 +219,7 @@
           <a:p>
             <a:fld id="{9D85B690-DA12-4685-B421-55013345D842}" type="datetimeFigureOut">
               <a:rPr lang="en-US" smtClean="0"/>
-              <a:t>1/11/2023</a:t>
+              <a:t>1/13/2023</a:t>
             </a:fld>
             <a:endParaRPr lang="en-US"/>
           </a:p>
@@ -384,7 +385,7 @@
           <a:p>
             <a:fld id="{46F41E90-DF02-4DDB-A645-EE4BD71F0959}" type="datetimeFigureOut">
               <a:rPr lang="en-IN" smtClean="0"/>
-              <a:t>11-01-2023</a:t>
+              <a:t>13-01-2023</a:t>
             </a:fld>
             <a:endParaRPr lang="en-IN"/>
           </a:p>
@@ -944,7 +945,7 @@
           <a:p>
             <a:fld id="{11E838E9-EAE7-4E4D-B3AA-1A963142A757}" type="datetime1">
               <a:rPr lang="en-IN" smtClean="0"/>
-              <a:t>11-01-2023</a:t>
+              <a:t>13-01-2023</a:t>
             </a:fld>
             <a:endParaRPr lang="en-IN"/>
           </a:p>
@@ -1118,7 +1119,7 @@
           <a:p>
             <a:fld id="{AF1DB0ED-F56E-4B51-8B1B-62E0A53DD30D}" type="datetime1">
               <a:rPr lang="en-IN" smtClean="0"/>
-              <a:t>11-01-2023</a:t>
+              <a:t>13-01-2023</a:t>
             </a:fld>
             <a:endParaRPr lang="en-IN"/>
           </a:p>
@@ -1302,7 +1303,7 @@
           <a:p>
             <a:fld id="{2988E2A2-003B-4659-AECA-91936C3457EC}" type="datetime1">
               <a:rPr lang="en-IN" smtClean="0"/>
-              <a:t>11-01-2023</a:t>
+              <a:t>13-01-2023</a:t>
             </a:fld>
             <a:endParaRPr lang="en-IN"/>
           </a:p>
@@ -1476,7 +1477,7 @@
           <a:p>
             <a:fld id="{28DAB1BE-DDCB-4C4D-951E-3E409B041F84}" type="datetime1">
               <a:rPr lang="en-IN" smtClean="0"/>
-              <a:t>11-01-2023</a:t>
+              <a:t>13-01-2023</a:t>
             </a:fld>
             <a:endParaRPr lang="en-IN"/>
           </a:p>
@@ -1726,7 +1727,7 @@
           <a:p>
             <a:fld id="{66741BB7-179C-4423-B1E4-4E3138585C0C}" type="datetime1">
               <a:rPr lang="en-IN" smtClean="0"/>
-              <a:t>11-01-2023</a:t>
+              <a:t>13-01-2023</a:t>
             </a:fld>
             <a:endParaRPr lang="en-IN"/>
           </a:p>
@@ -1962,7 +1963,7 @@
           <a:p>
             <a:fld id="{1EAE8D12-AF31-46C7-BBA6-E3C5B7D7AFEB}" type="datetime1">
               <a:rPr lang="en-IN" smtClean="0"/>
-              <a:t>11-01-2023</a:t>
+              <a:t>13-01-2023</a:t>
             </a:fld>
             <a:endParaRPr lang="en-IN"/>
           </a:p>
@@ -2333,7 +2334,7 @@
           <a:p>
             <a:fld id="{028DCE10-DDCD-469B-A16C-0144B564B405}" type="datetime1">
               <a:rPr lang="en-IN" smtClean="0"/>
-              <a:t>11-01-2023</a:t>
+              <a:t>13-01-2023</a:t>
             </a:fld>
             <a:endParaRPr lang="en-IN"/>
           </a:p>
@@ -2455,7 +2456,7 @@
           <a:p>
             <a:fld id="{556F0B93-B69F-4E23-8415-85435954A82A}" type="datetime1">
               <a:rPr lang="en-IN" smtClean="0"/>
-              <a:t>11-01-2023</a:t>
+              <a:t>13-01-2023</a:t>
             </a:fld>
             <a:endParaRPr lang="en-IN"/>
           </a:p>
@@ -2554,7 +2555,7 @@
           <a:p>
             <a:fld id="{02BE480A-B3D3-46A0-8603-32CC32B0DD85}" type="datetime1">
               <a:rPr lang="en-IN" smtClean="0"/>
-              <a:t>11-01-2023</a:t>
+              <a:t>13-01-2023</a:t>
             </a:fld>
             <a:endParaRPr lang="en-IN"/>
           </a:p>
@@ -2835,7 +2836,7 @@
           <a:p>
             <a:fld id="{728E2360-8943-4F3C-87D9-9C833B5C738F}" type="datetime1">
               <a:rPr lang="en-IN" smtClean="0"/>
-              <a:t>11-01-2023</a:t>
+              <a:t>13-01-2023</a:t>
             </a:fld>
             <a:endParaRPr lang="en-IN"/>
           </a:p>
@@ -3092,7 +3093,7 @@
           <a:p>
             <a:fld id="{1C760D9C-A744-40F9-A8C1-6334E3B3FAA4}" type="datetime1">
               <a:rPr lang="en-IN" smtClean="0"/>
-              <a:t>11-01-2023</a:t>
+              <a:t>13-01-2023</a:t>
             </a:fld>
             <a:endParaRPr lang="en-IN"/>
           </a:p>
@@ -3309,7 +3310,7 @@
           <a:p>
             <a:fld id="{B07534E3-81F7-4351-A3EA-2D7B4D65422C}" type="datetime1">
               <a:rPr lang="en-IN" smtClean="0"/>
-              <a:t>11-01-2023</a:t>
+              <a:t>13-01-2023</a:t>
             </a:fld>
             <a:endParaRPr lang="en-IN"/>
           </a:p>
@@ -3988,6 +3989,36 @@
           </a:p>
         </p:txBody>
       </p:sp>
+      <p:pic>
+        <p:nvPicPr>
+          <p:cNvPr id="2" name="Picture 1"/>
+          <p:cNvPicPr>
+            <a:picLocks noChangeAspect="1"/>
+          </p:cNvPicPr>
+          <p:nvPr/>
+        </p:nvPicPr>
+        <p:blipFill>
+          <a:blip r:embed="rId2">
+            <a:extLst>
+              <a:ext uri="{28A0092B-C50C-407E-A947-70E740481C1C}">
+                <a14:useLocalDpi xmlns:a14="http://schemas.microsoft.com/office/drawing/2010/main" val="0"/>
+              </a:ext>
+            </a:extLst>
+          </a:blip>
+          <a:stretch>
+            <a:fillRect/>
+          </a:stretch>
+        </p:blipFill>
+        <p:spPr>
+          <a:xfrm>
+            <a:off x="2773940" y="2455816"/>
+            <a:ext cx="6644119" cy="3608587"/>
+          </a:xfrm>
+          <a:prstGeom prst="rect">
+            <a:avLst/>
+          </a:prstGeom>
+        </p:spPr>
+      </p:pic>
     </p:spTree>
     <p:extLst>
       <p:ext uri="{BB962C8B-B14F-4D97-AF65-F5344CB8AC3E}">
@@ -4037,6 +4068,104 @@
               <a:rPr lang="en-US" dirty="0" smtClean="0"/>
               <a:t>Modules-</a:t>
             </a:r>
+          </a:p>
+          <a:p>
+            <a:pPr marL="0" indent="0">
+              <a:buNone/>
+            </a:pPr>
+            <a:endParaRPr lang="en-US" dirty="0" smtClean="0"/>
+          </a:p>
+          <a:p>
+            <a:pPr lvl="1">
+              <a:buFont typeface="Wingdings" panose="05000000000000000000" pitchFamily="2" charset="2"/>
+              <a:buChar char="§"/>
+            </a:pPr>
+            <a:r>
+              <a:rPr lang="en-US" dirty="0" smtClean="0"/>
+              <a:t>Importing libraries</a:t>
+            </a:r>
+          </a:p>
+          <a:p>
+            <a:pPr lvl="1">
+              <a:buFont typeface="Wingdings" panose="05000000000000000000" pitchFamily="2" charset="2"/>
+              <a:buChar char="§"/>
+            </a:pPr>
+            <a:r>
+              <a:rPr lang="en-US" dirty="0" smtClean="0"/>
+              <a:t>Exploratory Data Analysis[EDA]</a:t>
+            </a:r>
+          </a:p>
+          <a:p>
+            <a:pPr lvl="1">
+              <a:buFont typeface="Wingdings" panose="05000000000000000000" pitchFamily="2" charset="2"/>
+              <a:buChar char="§"/>
+            </a:pPr>
+            <a:r>
+              <a:rPr lang="en-US" dirty="0" smtClean="0"/>
+              <a:t>Data cleaning</a:t>
+            </a:r>
+          </a:p>
+          <a:p>
+            <a:pPr lvl="1">
+              <a:buFont typeface="Wingdings" panose="05000000000000000000" pitchFamily="2" charset="2"/>
+              <a:buChar char="§"/>
+            </a:pPr>
+            <a:r>
+              <a:rPr lang="en-US" dirty="0" smtClean="0"/>
+              <a:t>Dividing dataset into train and test</a:t>
+            </a:r>
+            <a:endParaRPr lang="en-US" dirty="0" smtClean="0"/>
+          </a:p>
+          <a:p>
+            <a:pPr lvl="1">
+              <a:buFont typeface="Wingdings" panose="05000000000000000000" pitchFamily="2" charset="2"/>
+              <a:buChar char="§"/>
+            </a:pPr>
+            <a:r>
+              <a:rPr lang="en-US" dirty="0" smtClean="0"/>
+              <a:t>Creation of Model</a:t>
+            </a:r>
+          </a:p>
+          <a:p>
+            <a:pPr lvl="1">
+              <a:buFont typeface="Wingdings" panose="05000000000000000000" pitchFamily="2" charset="2"/>
+              <a:buChar char="§"/>
+            </a:pPr>
+            <a:r>
+              <a:rPr lang="en-US" dirty="0" smtClean="0"/>
+              <a:t>Testing the model</a:t>
+            </a:r>
+            <a:endParaRPr lang="en-US" dirty="0" smtClean="0"/>
+          </a:p>
+          <a:p>
+            <a:pPr lvl="1">
+              <a:buFont typeface="Wingdings" panose="05000000000000000000" pitchFamily="2" charset="2"/>
+              <a:buChar char="§"/>
+            </a:pPr>
+            <a:r>
+              <a:rPr lang="en-US" dirty="0" smtClean="0"/>
+              <a:t>Plotting the Accuracy</a:t>
+            </a:r>
+          </a:p>
+          <a:p>
+            <a:pPr lvl="1">
+              <a:buFont typeface="Wingdings" panose="05000000000000000000" pitchFamily="2" charset="2"/>
+              <a:buChar char="§"/>
+            </a:pPr>
+            <a:endParaRPr lang="en-US" dirty="0" smtClean="0"/>
+          </a:p>
+          <a:p>
+            <a:pPr lvl="1">
+              <a:buFont typeface="Wingdings" panose="05000000000000000000" pitchFamily="2" charset="2"/>
+              <a:buChar char="§"/>
+            </a:pPr>
+            <a:endParaRPr lang="en-US" dirty="0" smtClean="0"/>
+          </a:p>
+          <a:p>
+            <a:pPr lvl="1">
+              <a:buFont typeface="Wingdings" panose="05000000000000000000" pitchFamily="2" charset="2"/>
+              <a:buChar char="§"/>
+            </a:pPr>
             <a:endParaRPr lang="en-IN" dirty="0"/>
           </a:p>
         </p:txBody>
@@ -4106,14 +4235,119 @@
         </p:nvSpPr>
         <p:spPr/>
         <p:txBody>
-          <a:bodyPr/>
+          <a:bodyPr>
+            <a:normAutofit/>
+          </a:bodyPr>
           <a:lstStyle/>
           <a:p>
             <a:r>
               <a:rPr lang="en-US" dirty="0" smtClean="0"/>
-              <a:t>Explanation of Modules-</a:t>
+              <a:t>Explanation of </a:t>
+            </a:r>
+            <a:r>
+              <a:rPr lang="en-US" dirty="0" smtClean="0"/>
+              <a:t>Modules-</a:t>
             </a:r>
             <a:endParaRPr lang="en-IN" dirty="0"/>
+          </a:p>
+          <a:p>
+            <a:pPr lvl="1">
+              <a:buFont typeface="Wingdings" panose="05000000000000000000" pitchFamily="2" charset="2"/>
+              <a:buChar char="§"/>
+            </a:pPr>
+            <a:r>
+              <a:rPr lang="en-US" sz="1800" dirty="0"/>
+              <a:t>Importing </a:t>
+            </a:r>
+            <a:r>
+              <a:rPr lang="en-US" sz="1800" dirty="0" smtClean="0"/>
+              <a:t>libraries – Import libraries such as pandas, NumPy, matplotlib, seaborn, scikit-learn, and TensorFlow.</a:t>
+            </a:r>
+          </a:p>
+          <a:p>
+            <a:pPr lvl="1">
+              <a:buFont typeface="Wingdings" panose="05000000000000000000" pitchFamily="2" charset="2"/>
+              <a:buChar char="§"/>
+            </a:pPr>
+            <a:endParaRPr lang="en-US" sz="1800" dirty="0"/>
+          </a:p>
+          <a:p>
+            <a:pPr lvl="1">
+              <a:buFont typeface="Wingdings" panose="05000000000000000000" pitchFamily="2" charset="2"/>
+              <a:buChar char="§"/>
+            </a:pPr>
+            <a:r>
+              <a:rPr lang="en-US" sz="1800" dirty="0"/>
+              <a:t>Exploratory Data Analysis[EDA</a:t>
+            </a:r>
+            <a:r>
+              <a:rPr lang="en-US" sz="1800" dirty="0" smtClean="0"/>
+              <a:t>] – Performing EDA on the dataset so that we can have a better understanding of the dataset like seeing the ratio of churn on the basis of gender, the device used for ordering, payment method, etc.</a:t>
+            </a:r>
+          </a:p>
+          <a:p>
+            <a:pPr marL="457200" lvl="1" indent="0">
+              <a:buNone/>
+            </a:pPr>
+            <a:r>
+              <a:rPr lang="en-US" sz="1800" dirty="0"/>
+              <a:t> </a:t>
+            </a:r>
+            <a:r>
+              <a:rPr lang="en-US" sz="1800" dirty="0" smtClean="0"/>
+              <a:t>    </a:t>
+            </a:r>
+            <a:endParaRPr lang="en-US" sz="1800" dirty="0"/>
+          </a:p>
+          <a:p>
+            <a:pPr lvl="1">
+              <a:buFont typeface="Wingdings" panose="05000000000000000000" pitchFamily="2" charset="2"/>
+              <a:buChar char="§"/>
+            </a:pPr>
+            <a:r>
+              <a:rPr lang="en-US" sz="1800" dirty="0"/>
+              <a:t>Data </a:t>
+            </a:r>
+            <a:r>
+              <a:rPr lang="en-US" sz="1800" dirty="0" smtClean="0"/>
+              <a:t>cleaning – As the dataset has different problems in them. Some of them are </a:t>
+            </a:r>
+          </a:p>
+          <a:p>
+            <a:pPr marL="457200" lvl="1" indent="0">
+              <a:buNone/>
+            </a:pPr>
+            <a:endParaRPr lang="en-US" sz="1800" dirty="0"/>
+          </a:p>
+          <a:p>
+            <a:pPr lvl="1">
+              <a:buFont typeface="Wingdings" panose="05000000000000000000" pitchFamily="2" charset="2"/>
+              <a:buChar char="§"/>
+            </a:pPr>
+            <a:r>
+              <a:rPr lang="en-US" sz="1800" dirty="0"/>
+              <a:t>Dividing dataset into train and </a:t>
+            </a:r>
+            <a:r>
+              <a:rPr lang="en-US" sz="1800" dirty="0" smtClean="0"/>
+              <a:t>test- Using scikit learn we will be dividing the dataset into two parts:  Train(80%) and Test(20%).</a:t>
+            </a:r>
+          </a:p>
+          <a:p>
+            <a:pPr marL="457200" lvl="1" indent="0">
+              <a:buNone/>
+            </a:pPr>
+            <a:endParaRPr lang="en-US" sz="1800" dirty="0"/>
+          </a:p>
+          <a:p>
+            <a:pPr marL="457200" lvl="1" indent="0">
+              <a:buNone/>
+            </a:pPr>
+            <a:endParaRPr lang="en-US" sz="1800" dirty="0"/>
+          </a:p>
+          <a:p>
+            <a:pPr lvl="1"/>
+            <a:endParaRPr lang="en-IN" sz="1400" dirty="0"/>
           </a:p>
         </p:txBody>
       </p:sp>
@@ -4172,49 +4406,6 @@
       </p:grpSpPr>
       <p:sp>
         <p:nvSpPr>
-          <p:cNvPr id="2" name="Title 1"/>
-          <p:cNvSpPr>
-            <a:spLocks noGrp="1"/>
-          </p:cNvSpPr>
-          <p:nvPr>
-            <p:ph type="title"/>
-          </p:nvPr>
-        </p:nvSpPr>
-        <p:spPr/>
-        <p:txBody>
-          <a:bodyPr/>
-          <a:lstStyle/>
-          <a:p>
-            <a:r>
-              <a:rPr lang="en-IN" b="1" dirty="0" smtClean="0"/>
-              <a:t>Work to be Completed</a:t>
-            </a:r>
-            <a:r>
-              <a:rPr lang="en-IN" dirty="0" smtClean="0">
-                <a:solidFill>
-                  <a:srgbClr val="FF0000"/>
-                </a:solidFill>
-              </a:rPr>
-              <a:t>(What is to do be done in Review </a:t>
-            </a:r>
-            <a:r>
-              <a:rPr lang="en-IN" dirty="0" smtClean="0">
-                <a:solidFill>
-                  <a:srgbClr val="FF0000"/>
-                </a:solidFill>
-              </a:rPr>
-              <a:t>3)</a:t>
-            </a:r>
-            <a:endParaRPr lang="en-IN" dirty="0">
-              <a:solidFill>
-                <a:srgbClr val="FF0000"/>
-              </a:solidFill>
-            </a:endParaRPr>
-          </a:p>
-        </p:txBody>
-      </p:sp>
-      <p:sp>
-        <p:nvSpPr>
           <p:cNvPr id="3" name="Content Placeholder 2"/>
           <p:cNvSpPr>
             <a:spLocks noGrp="1"/>
@@ -4228,37 +4419,76 @@
           <a:bodyPr/>
           <a:lstStyle/>
           <a:p>
-            <a:r>
-              <a:rPr lang="en-US" dirty="0" smtClean="0"/>
-              <a:t>I have </a:t>
-            </a:r>
-            <a:r>
-              <a:rPr lang="en-US" dirty="0" smtClean="0"/>
-              <a:t>not written much in the research paper as most of the time went into understanding the Dataset while performing EDA and data cleaning.</a:t>
-            </a:r>
-            <a:endParaRPr lang="en-US" dirty="0" smtClean="0"/>
-          </a:p>
-          <a:p>
-            <a:r>
-              <a:rPr lang="en-US" dirty="0" smtClean="0"/>
-              <a:t>Most of my time went into thinking of another Algorithm and trying to proceed with it was getting harder</a:t>
-            </a:r>
-            <a:r>
-              <a:rPr lang="en-US" dirty="0" smtClean="0"/>
+            <a:pPr lvl="1">
+              <a:buFont typeface="Wingdings" panose="05000000000000000000" pitchFamily="2" charset="2"/>
+              <a:buChar char="§"/>
+            </a:pPr>
+            <a:r>
+              <a:rPr lang="en-US" sz="1800" dirty="0"/>
+              <a:t>Creation of </a:t>
+            </a:r>
+            <a:r>
+              <a:rPr lang="en-US" sz="1800" dirty="0" smtClean="0"/>
+              <a:t>Model – We can create the model using all the columns and simply by adding one extra dense layer of neural network and using 100 </a:t>
+            </a:r>
+            <a:r>
+              <a:rPr lang="en-US" sz="1800" dirty="0" err="1" smtClean="0"/>
+              <a:t>epchos</a:t>
+            </a:r>
+            <a:r>
+              <a:rPr lang="en-US" sz="1800" dirty="0" smtClean="0"/>
               <a:t>.</a:t>
             </a:r>
-            <a:endParaRPr lang="en-US" dirty="0" smtClean="0"/>
-          </a:p>
-          <a:p>
-            <a:r>
-              <a:rPr lang="en-US" dirty="0" smtClean="0"/>
-              <a:t>As some of the approaches give better results with more space utilization and vice versa</a:t>
-            </a:r>
-            <a:r>
-              <a:rPr lang="en-US" dirty="0" smtClean="0"/>
-              <a:t>.</a:t>
-            </a:r>
-            <a:endParaRPr lang="en-US" dirty="0" smtClean="0"/>
+          </a:p>
+          <a:p>
+            <a:pPr marL="457200" lvl="1" indent="0">
+              <a:buNone/>
+            </a:pPr>
+            <a:endParaRPr lang="en-US" sz="1800" dirty="0"/>
+          </a:p>
+          <a:p>
+            <a:pPr lvl="1">
+              <a:buFont typeface="Wingdings" panose="05000000000000000000" pitchFamily="2" charset="2"/>
+              <a:buChar char="§"/>
+            </a:pPr>
+            <a:r>
+              <a:rPr lang="en-US" sz="1800" dirty="0"/>
+              <a:t>Testing the </a:t>
+            </a:r>
+            <a:r>
+              <a:rPr lang="en-US" sz="1800" dirty="0" smtClean="0"/>
+              <a:t>model – </a:t>
+            </a:r>
+            <a:r>
+              <a:rPr lang="en-US" sz="1800" dirty="0"/>
+              <a:t>T</a:t>
+            </a:r>
+            <a:r>
+              <a:rPr lang="en-US" sz="1800" dirty="0" smtClean="0"/>
+              <a:t>esting the model to see its accuracy with fewer epochs values and slowly increasing when getting a linear increment in values. </a:t>
+            </a:r>
+            <a:endParaRPr lang="en-US" sz="1800" dirty="0"/>
+          </a:p>
+          <a:p>
+            <a:pPr marL="457200" lvl="1" indent="0">
+              <a:buNone/>
+            </a:pPr>
+            <a:endParaRPr lang="en-US" sz="1800" dirty="0"/>
+          </a:p>
+          <a:p>
+            <a:pPr lvl="1">
+              <a:buFont typeface="Wingdings" panose="05000000000000000000" pitchFamily="2" charset="2"/>
+              <a:buChar char="§"/>
+            </a:pPr>
+            <a:r>
+              <a:rPr lang="en-US" sz="1800" dirty="0"/>
+              <a:t>Plotting the </a:t>
+            </a:r>
+            <a:r>
+              <a:rPr lang="en-US" sz="1800" dirty="0" smtClean="0"/>
+              <a:t>Accuracy – Plotting the accuracy on the heat maps to get when I am getting the correct( yes and no) and when incorrect(yes and no).</a:t>
+            </a:r>
+            <a:endParaRPr lang="en-US" sz="1800" dirty="0"/>
           </a:p>
         </p:txBody>
       </p:sp>
@@ -4288,7 +4518,7 @@
     </p:spTree>
     <p:extLst>
       <p:ext uri="{BB962C8B-B14F-4D97-AF65-F5344CB8AC3E}">
-        <p14:creationId xmlns:p14="http://schemas.microsoft.com/office/powerpoint/2010/main" val="4267524673"/>
+        <p14:creationId xmlns:p14="http://schemas.microsoft.com/office/powerpoint/2010/main" val="1240335677"/>
       </p:ext>
     </p:extLst>
   </p:cSld>
@@ -4332,9 +4562,55 @@
           <a:p>
             <a:r>
               <a:rPr lang="en-IN" b="1" dirty="0" smtClean="0"/>
-              <a:t>Guide Approval Snapshot</a:t>
-            </a:r>
-            <a:endParaRPr lang="en-IN" b="1" dirty="0"/>
+              <a:t>Work to be Completed</a:t>
+            </a:r>
+            <a:r>
+              <a:rPr lang="en-IN" dirty="0" smtClean="0">
+                <a:solidFill>
+                  <a:srgbClr val="FF0000"/>
+                </a:solidFill>
+              </a:rPr>
+              <a:t>(What is to do be done in Review 3)</a:t>
+            </a:r>
+            <a:endParaRPr lang="en-IN" dirty="0">
+              <a:solidFill>
+                <a:srgbClr val="FF0000"/>
+              </a:solidFill>
+            </a:endParaRPr>
+          </a:p>
+        </p:txBody>
+      </p:sp>
+      <p:sp>
+        <p:nvSpPr>
+          <p:cNvPr id="3" name="Content Placeholder 2"/>
+          <p:cNvSpPr>
+            <a:spLocks noGrp="1"/>
+          </p:cNvSpPr>
+          <p:nvPr>
+            <p:ph idx="1"/>
+          </p:nvPr>
+        </p:nvSpPr>
+        <p:spPr/>
+        <p:txBody>
+          <a:bodyPr/>
+          <a:lstStyle/>
+          <a:p>
+            <a:r>
+              <a:rPr lang="en-US" dirty="0" smtClean="0"/>
+              <a:t>I have not written much in the research paper as most of the time went into understanding the Dataset while performing EDA and data cleaning.</a:t>
+            </a:r>
+          </a:p>
+          <a:p>
+            <a:r>
+              <a:rPr lang="en-US" dirty="0" smtClean="0"/>
+              <a:t>Most of my time went into thinking of another Algorithm and trying to proceed with it was getting harder.</a:t>
+            </a:r>
+          </a:p>
+          <a:p>
+            <a:r>
+              <a:rPr lang="en-US" dirty="0" smtClean="0"/>
+              <a:t>As some of the approaches give better results with more space utilization and vice versa.</a:t>
+            </a:r>
           </a:p>
         </p:txBody>
       </p:sp>
@@ -4364,7 +4640,7 @@
     </p:spTree>
     <p:extLst>
       <p:ext uri="{BB962C8B-B14F-4D97-AF65-F5344CB8AC3E}">
-        <p14:creationId xmlns:p14="http://schemas.microsoft.com/office/powerpoint/2010/main" val="773065791"/>
+        <p14:creationId xmlns:p14="http://schemas.microsoft.com/office/powerpoint/2010/main" val="4267524673"/>
       </p:ext>
     </p:extLst>
   </p:cSld>
@@ -4407,55 +4683,10 @@
           <a:lstStyle/>
           <a:p>
             <a:r>
-              <a:rPr lang="en-IN" b="1" i="1" dirty="0" smtClean="0">
-                <a:solidFill>
-                  <a:srgbClr val="FF0000"/>
-                </a:solidFill>
-              </a:rPr>
-              <a:t>Any other additional information to be added by Guide</a:t>
-            </a:r>
-            <a:endParaRPr lang="en-IN" b="1" i="1" dirty="0">
-              <a:solidFill>
-                <a:srgbClr val="FF0000"/>
-              </a:solidFill>
-            </a:endParaRPr>
-          </a:p>
-        </p:txBody>
-      </p:sp>
-      <p:sp>
-        <p:nvSpPr>
-          <p:cNvPr id="3" name="Content Placeholder 2"/>
-          <p:cNvSpPr>
-            <a:spLocks noGrp="1"/>
-          </p:cNvSpPr>
-          <p:nvPr>
-            <p:ph idx="1"/>
-          </p:nvPr>
-        </p:nvSpPr>
-        <p:spPr/>
-        <p:txBody>
-          <a:bodyPr/>
-          <a:lstStyle/>
-          <a:p>
-            <a:r>
-              <a:rPr lang="en-US" dirty="0" smtClean="0"/>
-              <a:t>No, There is </a:t>
-            </a:r>
-            <a:r>
-              <a:rPr lang="en-US" dirty="0"/>
-              <a:t>no additional information to be added by </a:t>
-            </a:r>
-            <a:r>
-              <a:rPr lang="en-US" dirty="0" smtClean="0"/>
-              <a:t>the Guide. My guide is very helpful, I already knew that as I studied TOC one of the toughest theoretical subjects under him and he helped me a lot even at that time. Even in the times of Covid-19, he delivered his best using a whiteboard at home. So, I thought to work under his supervision.</a:t>
-            </a:r>
-          </a:p>
-          <a:p>
-            <a:r>
-              <a:rPr lang="en-US" dirty="0" smtClean="0"/>
-              <a:t>My idea was accepted after writing a mail to the guide and explaining everything on call.</a:t>
-            </a:r>
-            <a:endParaRPr lang="en-IN" dirty="0"/>
+              <a:rPr lang="en-IN" b="1" dirty="0" smtClean="0"/>
+              <a:t>Guide Approval Snapshot</a:t>
+            </a:r>
+            <a:endParaRPr lang="en-IN" b="1" dirty="0"/>
           </a:p>
         </p:txBody>
       </p:sp>
@@ -4485,7 +4716,7 @@
     </p:spTree>
     <p:extLst>
       <p:ext uri="{BB962C8B-B14F-4D97-AF65-F5344CB8AC3E}">
-        <p14:creationId xmlns:p14="http://schemas.microsoft.com/office/powerpoint/2010/main" val="2455204403"/>
+        <p14:creationId xmlns:p14="http://schemas.microsoft.com/office/powerpoint/2010/main" val="773065791"/>
       </p:ext>
     </p:extLst>
   </p:cSld>
@@ -4528,18 +4759,14 @@
           <a:lstStyle/>
           <a:p>
             <a:r>
-              <a:rPr lang="en-IN" b="1" dirty="0" smtClean="0"/>
-              <a:t>References </a:t>
-            </a:r>
-            <a:r>
-              <a:rPr lang="en-IN" b="1" dirty="0" smtClean="0">
+              <a:rPr lang="en-IN" b="1" i="1" dirty="0" smtClean="0">
                 <a:solidFill>
                   <a:srgbClr val="FF0000"/>
                 </a:solidFill>
               </a:rPr>
-              <a:t>( Same order as Literature Review)</a:t>
-            </a:r>
-            <a:endParaRPr lang="en-IN" b="1" dirty="0">
+              <a:t>Any other additional information to be added by Guide</a:t>
+            </a:r>
+            <a:endParaRPr lang="en-IN" b="1" i="1" dirty="0">
               <a:solidFill>
                 <a:srgbClr val="FF0000"/>
               </a:solidFill>
@@ -4559,351 +4786,27 @@
         </p:nvSpPr>
         <p:spPr/>
         <p:txBody>
-          <a:bodyPr>
-            <a:normAutofit/>
-          </a:bodyPr>
-          <a:lstStyle/>
-          <a:p>
-            <a:r>
-              <a:rPr lang="en-US" b="1" dirty="0"/>
-              <a:t>The Impact of Customer Satisfaction and Relationship Quality on Customer Retention: A Critical Reassessment and Model Development [1997]</a:t>
-            </a:r>
-          </a:p>
-          <a:p>
-            <a:pPr marL="457200" lvl="1" indent="0">
-              <a:buNone/>
-            </a:pPr>
-            <a:r>
-              <a:rPr lang="en-US" dirty="0">
-                <a:solidFill>
-                  <a:schemeClr val="accent1">
-                    <a:lumMod val="75000"/>
-                  </a:schemeClr>
-                </a:solidFill>
-              </a:rPr>
-              <a:t>Thorsten </a:t>
-            </a:r>
-            <a:r>
-              <a:rPr lang="en-US" dirty="0" err="1">
-                <a:solidFill>
-                  <a:schemeClr val="accent1">
-                    <a:lumMod val="75000"/>
-                  </a:schemeClr>
-                </a:solidFill>
-              </a:rPr>
-              <a:t>Hennig-Thurau</a:t>
-            </a:r>
-            <a:r>
-              <a:rPr lang="en-US" dirty="0">
-                <a:solidFill>
-                  <a:schemeClr val="accent1">
-                    <a:lumMod val="75000"/>
-                  </a:schemeClr>
-                </a:solidFill>
-              </a:rPr>
-              <a:t> and Alexander Klee (University of Hanover)</a:t>
-            </a:r>
-          </a:p>
-          <a:p>
-            <a:r>
-              <a:rPr lang="en-IN" b="1" dirty="0" smtClean="0"/>
-              <a:t>Churn </a:t>
-            </a:r>
-            <a:r>
-              <a:rPr lang="en-IN" b="1" dirty="0"/>
-              <a:t>Prediction: Does Technology Matter? </a:t>
-            </a:r>
-            <a:r>
-              <a:rPr lang="en-IN" b="1" dirty="0" smtClean="0"/>
-              <a:t>[2006]</a:t>
-            </a:r>
-          </a:p>
-          <a:p>
-            <a:pPr marL="457200" lvl="1" indent="0">
-              <a:buNone/>
-            </a:pPr>
-            <a:r>
-              <a:rPr lang="en-IN" dirty="0" smtClean="0">
-                <a:solidFill>
-                  <a:schemeClr val="accent1">
-                    <a:lumMod val="75000"/>
-                  </a:schemeClr>
-                </a:solidFill>
-              </a:rPr>
-              <a:t>John </a:t>
-            </a:r>
-            <a:r>
-              <a:rPr lang="en-IN" dirty="0">
-                <a:solidFill>
-                  <a:schemeClr val="accent1">
-                    <a:lumMod val="75000"/>
-                  </a:schemeClr>
-                </a:solidFill>
-              </a:rPr>
-              <a:t>Hadden, Ashutosh Tiwari, Rajkumar Roy, and Dymitr </a:t>
-            </a:r>
-            <a:r>
-              <a:rPr lang="en-IN" dirty="0" smtClean="0">
-                <a:solidFill>
-                  <a:schemeClr val="accent1">
-                    <a:lumMod val="75000"/>
-                  </a:schemeClr>
-                </a:solidFill>
-              </a:rPr>
-              <a:t>Ruta</a:t>
-            </a:r>
-            <a:endParaRPr lang="en-IN" dirty="0">
-              <a:solidFill>
-                <a:schemeClr val="accent1">
-                  <a:lumMod val="75000"/>
-                </a:schemeClr>
-              </a:solidFill>
-            </a:endParaRPr>
-          </a:p>
-          <a:p>
-            <a:pPr algn="just"/>
-            <a:r>
-              <a:rPr lang="en-US" b="1" dirty="0" err="1"/>
-              <a:t>Scikit</a:t>
-            </a:r>
-            <a:r>
-              <a:rPr lang="en-US" b="1" dirty="0"/>
-              <a:t>-learn: Machine Learning in Python [2012]</a:t>
-            </a:r>
-          </a:p>
-          <a:p>
-            <a:pPr marL="457200" lvl="1" indent="0" algn="just">
-              <a:buNone/>
-            </a:pPr>
-            <a:r>
-              <a:rPr lang="en-IN" dirty="0">
-                <a:solidFill>
-                  <a:schemeClr val="accent1">
-                    <a:lumMod val="75000"/>
-                  </a:schemeClr>
-                </a:solidFill>
-              </a:rPr>
-              <a:t>Fabian </a:t>
-            </a:r>
-            <a:r>
-              <a:rPr lang="en-IN" dirty="0" err="1">
-                <a:solidFill>
-                  <a:schemeClr val="accent1">
-                    <a:lumMod val="75000"/>
-                  </a:schemeClr>
-                </a:solidFill>
-              </a:rPr>
-              <a:t>Pedregosa</a:t>
-            </a:r>
-            <a:r>
-              <a:rPr lang="en-IN" dirty="0">
-                <a:solidFill>
-                  <a:schemeClr val="accent1">
-                    <a:lumMod val="75000"/>
-                  </a:schemeClr>
-                </a:solidFill>
-              </a:rPr>
-              <a:t>, </a:t>
-            </a:r>
-            <a:r>
-              <a:rPr lang="en-IN" dirty="0" err="1">
-                <a:solidFill>
-                  <a:schemeClr val="accent1">
-                    <a:lumMod val="75000"/>
-                  </a:schemeClr>
-                </a:solidFill>
-              </a:rPr>
-              <a:t>Gaël</a:t>
-            </a:r>
-            <a:r>
-              <a:rPr lang="en-IN" dirty="0">
-                <a:solidFill>
-                  <a:schemeClr val="accent1">
-                    <a:lumMod val="75000"/>
-                  </a:schemeClr>
-                </a:solidFill>
-              </a:rPr>
-              <a:t> </a:t>
-            </a:r>
-            <a:r>
-              <a:rPr lang="en-IN" dirty="0" err="1">
-                <a:solidFill>
-                  <a:schemeClr val="accent1">
-                    <a:lumMod val="75000"/>
-                  </a:schemeClr>
-                </a:solidFill>
-              </a:rPr>
-              <a:t>Varoquaux</a:t>
-            </a:r>
-            <a:r>
-              <a:rPr lang="en-IN" dirty="0">
-                <a:solidFill>
-                  <a:schemeClr val="accent1">
-                    <a:lumMod val="75000"/>
-                  </a:schemeClr>
-                </a:solidFill>
-              </a:rPr>
-              <a:t>, Alexandre </a:t>
-            </a:r>
-            <a:r>
-              <a:rPr lang="en-IN" dirty="0" err="1">
-                <a:solidFill>
-                  <a:schemeClr val="accent1">
-                    <a:lumMod val="75000"/>
-                  </a:schemeClr>
-                </a:solidFill>
-              </a:rPr>
-              <a:t>Gramfort</a:t>
-            </a:r>
-            <a:r>
-              <a:rPr lang="en-IN" dirty="0">
-                <a:solidFill>
-                  <a:schemeClr val="accent1">
-                    <a:lumMod val="75000"/>
-                  </a:schemeClr>
-                </a:solidFill>
-              </a:rPr>
-              <a:t>, Vincent Michel, Bertrand </a:t>
-            </a:r>
-            <a:r>
-              <a:rPr lang="en-IN" dirty="0" err="1">
-                <a:solidFill>
-                  <a:schemeClr val="accent1">
-                    <a:lumMod val="75000"/>
-                  </a:schemeClr>
-                </a:solidFill>
-              </a:rPr>
-              <a:t>Thirion</a:t>
-            </a:r>
-            <a:r>
-              <a:rPr lang="en-IN" dirty="0">
-                <a:solidFill>
-                  <a:schemeClr val="accent1">
-                    <a:lumMod val="75000"/>
-                  </a:schemeClr>
-                </a:solidFill>
-              </a:rPr>
-              <a:t>, Olivier </a:t>
-            </a:r>
-            <a:r>
-              <a:rPr lang="en-IN" dirty="0" err="1">
-                <a:solidFill>
-                  <a:schemeClr val="accent1">
-                    <a:lumMod val="75000"/>
-                  </a:schemeClr>
-                </a:solidFill>
-              </a:rPr>
-              <a:t>Grisel</a:t>
-            </a:r>
-            <a:r>
-              <a:rPr lang="en-IN" dirty="0">
-                <a:solidFill>
-                  <a:schemeClr val="accent1">
-                    <a:lumMod val="75000"/>
-                  </a:schemeClr>
-                </a:solidFill>
-              </a:rPr>
-              <a:t>, Mathieu </a:t>
-            </a:r>
-            <a:r>
-              <a:rPr lang="en-IN" dirty="0" err="1">
-                <a:solidFill>
-                  <a:schemeClr val="accent1">
-                    <a:lumMod val="75000"/>
-                  </a:schemeClr>
-                </a:solidFill>
-              </a:rPr>
-              <a:t>Blondel</a:t>
-            </a:r>
-            <a:r>
-              <a:rPr lang="en-IN" dirty="0">
-                <a:solidFill>
-                  <a:schemeClr val="accent1">
-                    <a:lumMod val="75000"/>
-                  </a:schemeClr>
-                </a:solidFill>
-              </a:rPr>
-              <a:t>, Peter </a:t>
-            </a:r>
-            <a:r>
-              <a:rPr lang="en-IN" dirty="0" err="1">
-                <a:solidFill>
-                  <a:schemeClr val="accent1">
-                    <a:lumMod val="75000"/>
-                  </a:schemeClr>
-                </a:solidFill>
-              </a:rPr>
-              <a:t>Prettenhofer</a:t>
-            </a:r>
-            <a:r>
-              <a:rPr lang="en-IN" dirty="0">
-                <a:solidFill>
-                  <a:schemeClr val="accent1">
-                    <a:lumMod val="75000"/>
-                  </a:schemeClr>
-                </a:solidFill>
-              </a:rPr>
-              <a:t>, Ron Weiss, Vincent </a:t>
-            </a:r>
-            <a:r>
-              <a:rPr lang="en-IN" dirty="0" err="1">
-                <a:solidFill>
-                  <a:schemeClr val="accent1">
-                    <a:lumMod val="75000"/>
-                  </a:schemeClr>
-                </a:solidFill>
-              </a:rPr>
-              <a:t>Dubourg</a:t>
-            </a:r>
-            <a:r>
-              <a:rPr lang="en-IN" dirty="0">
-                <a:solidFill>
-                  <a:schemeClr val="accent1">
-                    <a:lumMod val="75000"/>
-                  </a:schemeClr>
-                </a:solidFill>
-              </a:rPr>
-              <a:t>, et </a:t>
-            </a:r>
-            <a:r>
-              <a:rPr lang="en-IN" dirty="0" smtClean="0">
-                <a:solidFill>
-                  <a:schemeClr val="accent1">
-                    <a:lumMod val="75000"/>
-                  </a:schemeClr>
-                </a:solidFill>
-              </a:rPr>
-              <a:t>al</a:t>
-            </a:r>
-          </a:p>
-          <a:p>
-            <a:pPr marL="457200" lvl="1" indent="0" algn="just">
-              <a:buNone/>
-            </a:pPr>
-            <a:endParaRPr lang="en-IN" dirty="0">
-              <a:solidFill>
-                <a:schemeClr val="accent1">
-                  <a:lumMod val="75000"/>
-                </a:schemeClr>
-              </a:solidFill>
-            </a:endParaRPr>
-          </a:p>
-          <a:p>
-            <a:pPr marL="0" indent="0">
-              <a:buNone/>
-            </a:pPr>
-            <a:endParaRPr lang="en-US" dirty="0"/>
-          </a:p>
-          <a:p>
-            <a:pPr marL="0" indent="0">
-              <a:buNone/>
-            </a:pPr>
-            <a:endParaRPr lang="en-US" dirty="0"/>
-          </a:p>
-          <a:p>
-            <a:pPr marL="0" indent="0">
-              <a:buNone/>
-            </a:pPr>
+          <a:bodyPr/>
+          <a:lstStyle/>
+          <a:p>
+            <a:r>
+              <a:rPr lang="en-US" dirty="0" smtClean="0"/>
+              <a:t>No, There is </a:t>
+            </a:r>
+            <a:r>
+              <a:rPr lang="en-US" dirty="0"/>
+              <a:t>no additional information to be added by </a:t>
+            </a:r>
+            <a:r>
+              <a:rPr lang="en-US" dirty="0" smtClean="0"/>
+              <a:t>the Guide. My guide is very helpful, I already knew that as I studied TOC one of the toughest theoretical subjects under him and he helped me a lot even at that time. Even in the times of Covid-19, he delivered his best using a whiteboard at home. So, I thought to work under his supervision.</a:t>
+            </a:r>
+          </a:p>
+          <a:p>
+            <a:r>
+              <a:rPr lang="en-US" dirty="0" smtClean="0"/>
+              <a:t>My idea was accepted after writing a mail to the guide and explaining everything on call.</a:t>
+            </a:r>
             <a:endParaRPr lang="en-IN" dirty="0"/>
           </a:p>
         </p:txBody>
@@ -4934,7 +4837,7 @@
     </p:spTree>
     <p:extLst>
       <p:ext uri="{BB962C8B-B14F-4D97-AF65-F5344CB8AC3E}">
-        <p14:creationId xmlns:p14="http://schemas.microsoft.com/office/powerpoint/2010/main" val="1193806446"/>
+        <p14:creationId xmlns:p14="http://schemas.microsoft.com/office/powerpoint/2010/main" val="2455204403"/>
       </p:ext>
     </p:extLst>
   </p:cSld>
@@ -4963,6 +4866,41 @@
       </p:grpSpPr>
       <p:sp>
         <p:nvSpPr>
+          <p:cNvPr id="2" name="Title 1"/>
+          <p:cNvSpPr>
+            <a:spLocks noGrp="1"/>
+          </p:cNvSpPr>
+          <p:nvPr>
+            <p:ph type="title"/>
+          </p:nvPr>
+        </p:nvSpPr>
+        <p:spPr/>
+        <p:txBody>
+          <a:bodyPr/>
+          <a:lstStyle/>
+          <a:p>
+            <a:r>
+              <a:rPr lang="en-IN" b="1" dirty="0" smtClean="0"/>
+              <a:t>References </a:t>
+            </a:r>
+            <a:r>
+              <a:rPr lang="en-IN" b="1" dirty="0" smtClean="0">
+                <a:solidFill>
+                  <a:srgbClr val="FF0000"/>
+                </a:solidFill>
+              </a:rPr>
+              <a:t>( Same order as Literature Review)</a:t>
+            </a:r>
+            <a:endParaRPr lang="en-IN" b="1" dirty="0">
+              <a:solidFill>
+                <a:srgbClr val="FF0000"/>
+              </a:solidFill>
+            </a:endParaRPr>
+          </a:p>
+        </p:txBody>
+      </p:sp>
+      <p:sp>
+        <p:nvSpPr>
           <p:cNvPr id="3" name="Content Placeholder 2"/>
           <p:cNvSpPr>
             <a:spLocks noGrp="1"/>
@@ -4971,89 +4909,102 @@
             <p:ph idx="1"/>
           </p:nvPr>
         </p:nvSpPr>
-        <p:spPr>
-          <a:xfrm>
-            <a:off x="838200" y="1825624"/>
-            <a:ext cx="10515600" cy="4530725"/>
-          </a:xfrm>
-        </p:spPr>
+        <p:spPr/>
         <p:txBody>
           <a:bodyPr>
-            <a:normAutofit lnSpcReduction="10000"/>
+            <a:normAutofit/>
           </a:bodyPr>
           <a:lstStyle/>
           <a:p>
-            <a:pPr algn="just"/>
             <a:r>
               <a:rPr lang="en-US" b="1" dirty="0"/>
-              <a:t>Customer Churn Prediction in Telecommunication A Decade Review and Classification [2013]</a:t>
-            </a:r>
-          </a:p>
-          <a:p>
-            <a:pPr marL="457200" lvl="1" indent="0" algn="just">
+              <a:t>The Impact of Customer Satisfaction and Relationship Quality on Customer Retention: A Critical Reassessment and Model Development [1997]</a:t>
+            </a:r>
+          </a:p>
+          <a:p>
+            <a:pPr marL="457200" lvl="1" indent="0">
               <a:buNone/>
             </a:pPr>
             <a:r>
-              <a:rPr lang="en-IN" dirty="0" err="1">
+              <a:rPr lang="en-US" dirty="0">
                 <a:solidFill>
                   <a:schemeClr val="accent1">
                     <a:lumMod val="75000"/>
                   </a:schemeClr>
                 </a:solidFill>
               </a:rPr>
-              <a:t>Nabgha</a:t>
-            </a:r>
-            <a:r>
-              <a:rPr lang="en-IN" dirty="0">
+              <a:t>Thorsten </a:t>
+            </a:r>
+            <a:r>
+              <a:rPr lang="en-US" dirty="0" err="1">
                 <a:solidFill>
                   <a:schemeClr val="accent1">
                     <a:lumMod val="75000"/>
                   </a:schemeClr>
                 </a:solidFill>
               </a:rPr>
-              <a:t> Hashmi ,Naveed </a:t>
-            </a:r>
-            <a:r>
-              <a:rPr lang="en-IN" dirty="0" err="1">
+              <a:t>Hennig-Thurau</a:t>
+            </a:r>
+            <a:r>
+              <a:rPr lang="en-US" dirty="0">
                 <a:solidFill>
                   <a:schemeClr val="accent1">
                     <a:lumMod val="75000"/>
                   </a:schemeClr>
                 </a:solidFill>
               </a:rPr>
-              <a:t>Anwer</a:t>
-            </a:r>
-            <a:r>
-              <a:rPr lang="en-IN" dirty="0">
+              <a:t> and Alexander Klee (University of Hanover)</a:t>
+            </a:r>
+          </a:p>
+          <a:p>
+            <a:r>
+              <a:rPr lang="en-IN" b="1" dirty="0" smtClean="0"/>
+              <a:t>Churn </a:t>
+            </a:r>
+            <a:r>
+              <a:rPr lang="en-IN" b="1" dirty="0"/>
+              <a:t>Prediction: Does Technology Matter? </a:t>
+            </a:r>
+            <a:r>
+              <a:rPr lang="en-IN" b="1" dirty="0" smtClean="0"/>
+              <a:t>[2006]</a:t>
+            </a:r>
+          </a:p>
+          <a:p>
+            <a:pPr marL="457200" lvl="1" indent="0">
+              <a:buNone/>
+            </a:pPr>
+            <a:r>
+              <a:rPr lang="en-IN" dirty="0" smtClean="0">
                 <a:solidFill>
                   <a:schemeClr val="accent1">
                     <a:lumMod val="75000"/>
                   </a:schemeClr>
                 </a:solidFill>
               </a:rPr>
-              <a:t> Butt and </a:t>
-            </a:r>
-            <a:r>
-              <a:rPr lang="en-IN" dirty="0" err="1">
+              <a:t>John </a:t>
+            </a:r>
+            <a:r>
+              <a:rPr lang="en-IN" dirty="0">
                 <a:solidFill>
                   <a:schemeClr val="accent1">
                     <a:lumMod val="75000"/>
                   </a:schemeClr>
                 </a:solidFill>
               </a:rPr>
-              <a:t>Dr.Muddesar</a:t>
-            </a:r>
-            <a:r>
-              <a:rPr lang="en-IN" dirty="0">
+              <a:t>Hadden, Ashutosh Tiwari, Rajkumar Roy, and Dymitr </a:t>
+            </a:r>
+            <a:r>
+              <a:rPr lang="en-IN" dirty="0" smtClean="0">
                 <a:solidFill>
                   <a:schemeClr val="accent1">
                     <a:lumMod val="75000"/>
                   </a:schemeClr>
                 </a:solidFill>
               </a:rPr>
-              <a:t> Iqbal</a:t>
-            </a:r>
-            <a:endParaRPr lang="en-US" dirty="0">
+              <a:t>Ruta</a:t>
+            </a:r>
+            <a:endParaRPr lang="en-IN" dirty="0">
               <a:solidFill>
                 <a:schemeClr val="accent1">
                   <a:lumMod val="75000"/>
@@ -5062,79 +5013,60 @@
             </a:endParaRPr>
           </a:p>
           <a:p>
-            <a:r>
-              <a:rPr lang="en-US" b="1" dirty="0" smtClean="0"/>
-              <a:t>An </a:t>
+            <a:pPr algn="just"/>
+            <a:r>
+              <a:rPr lang="en-US" b="1" dirty="0" err="1"/>
+              <a:t>Scikit</a:t>
             </a:r>
             <a:r>
               <a:rPr lang="en-US" b="1" dirty="0"/>
-              <a:t>Integrated Framework to Recommend Personalized Retention Actions to Control B2C E-Commerce Customer Churn [2015]</a:t>
-            </a:r>
-          </a:p>
-          <a:p>
-            <a:pPr marL="457200" lvl="1" indent="0">
+              <a:t>-learn: Machine Learning in Python [2012]</a:t>
+            </a:r>
+          </a:p>
+          <a:p>
+            <a:pPr marL="457200" lvl="1" indent="0" algn="just">
               <a:buNone/>
             </a:pPr>
             <a:r>
-              <a:rPr lang="en-US" dirty="0" err="1">
+              <a:rPr lang="en-IN" dirty="0">
                 <a:solidFill>
                   <a:schemeClr val="accent1">
                     <a:lumMod val="75000"/>
                   </a:schemeClr>
                 </a:solidFill>
               </a:rPr>
-              <a:t>Shini</a:t>
-            </a:r>
-            <a:r>
-              <a:rPr lang="en-US" dirty="0">
+              <a:t>Fabian </a:t>
+            </a:r>
+            <a:r>
+              <a:rPr lang="en-IN" dirty="0" err="1">
                 <a:solidFill>
                   <a:schemeClr val="accent1">
                     <a:lumMod val="75000"/>
                   </a:schemeClr>
                 </a:solidFill>
               </a:rPr>
-              <a:t> </a:t>
-            </a:r>
-            <a:r>
-              <a:rPr lang="en-US" dirty="0" err="1">
+              <a:t>Pedregosa</a:t>
+            </a:r>
+            <a:r>
+              <a:rPr lang="en-IN" dirty="0">
                 <a:solidFill>
                   <a:schemeClr val="accent1">
                     <a:lumMod val="75000"/>
                   </a:schemeClr>
                 </a:solidFill>
               </a:rPr>
-              <a:t>Renjith</a:t>
-            </a:r>
-            <a:r>
-              <a:rPr lang="en-US" dirty="0">
+              <a:t>, </a:t>
+            </a:r>
+            <a:r>
+              <a:rPr lang="en-IN" dirty="0" err="1">
                 <a:solidFill>
                   <a:schemeClr val="accent1">
                     <a:lumMod val="75000"/>
                   </a:schemeClr>
                 </a:solidFill>
               </a:rPr>
-              <a:t> </a:t>
-            </a:r>
-            <a:endParaRPr lang="en-US" b="1" dirty="0" smtClean="0"/>
-          </a:p>
-          <a:p>
-            <a:r>
-              <a:rPr lang="en-US" b="1" dirty="0" smtClean="0"/>
-              <a:t>Predicting </a:t>
-            </a:r>
-            <a:r>
-              <a:rPr lang="en-US" b="1" dirty="0"/>
-              <a:t>Shipping Time with Machine Learning</a:t>
-            </a:r>
-            <a:r>
-              <a:rPr lang="en-IN" b="1" dirty="0"/>
-              <a:t>. [2015]</a:t>
-            </a:r>
-          </a:p>
-          <a:p>
-            <a:pPr marL="457200" lvl="1" indent="0">
-              <a:buNone/>
-            </a:pPr>
+              <a:t>Gaël</a:t>
+            </a:r>
             <a:r>
               <a:rPr lang="en-IN" dirty="0">
                 <a:solidFill>
@@ -5143,7 +5075,7 @@
                   </a:schemeClr>
                 </a:solidFill>
               </a:rPr>
-              <a:t>Antoine </a:t>
+              <a:t> </a:t>
             </a:r>
             <a:r>
               <a:rPr lang="en-IN" dirty="0" err="1">
@@ -5153,7 +5085,7 @@
                   </a:schemeClr>
                 </a:solidFill>
               </a:rPr>
-              <a:t>Jonquais</a:t>
+              <a:t>Varoquaux</a:t>
             </a:r>
             <a:r>
               <a:rPr lang="en-IN" dirty="0">
@@ -5163,7 +5095,7 @@
                   </a:schemeClr>
                 </a:solidFill>
               </a:rPr>
-              <a:t>, Florian </a:t>
+              <a:t>, Alexandre </a:t>
             </a:r>
             <a:r>
               <a:rPr lang="en-IN" dirty="0" err="1">
@@ -5173,7 +5105,7 @@
                   </a:schemeClr>
                 </a:solidFill>
               </a:rPr>
-              <a:t>Krempl</a:t>
+              <a:t>Gramfort</a:t>
             </a:r>
             <a:r>
               <a:rPr lang="en-IN" dirty="0">
@@ -5183,7 +5115,7 @@
                   </a:schemeClr>
                 </a:solidFill>
               </a:rPr>
-              <a:t> Advisor, </a:t>
+              <a:t>, Vincent Michel, Bertrand </a:t>
             </a:r>
             <a:r>
               <a:rPr lang="en-IN" dirty="0" err="1">
@@ -5193,7 +5125,7 @@
                   </a:schemeClr>
                 </a:solidFill>
               </a:rPr>
-              <a:t>Dr.</a:t>
+              <a:t>Thirion</a:t>
             </a:r>
             <a:r>
               <a:rPr lang="en-IN" dirty="0">
@@ -5203,7 +5135,7 @@
                   </a:schemeClr>
                 </a:solidFill>
               </a:rPr>
-              <a:t> Roar </a:t>
+              <a:t>, Olivier </a:t>
             </a:r>
             <a:r>
               <a:rPr lang="en-IN" dirty="0" err="1">
@@ -5213,7 +5145,7 @@
                   </a:schemeClr>
                 </a:solidFill>
               </a:rPr>
-              <a:t>Adland</a:t>
+              <a:t>Grisel</a:t>
             </a:r>
             <a:r>
               <a:rPr lang="en-IN" dirty="0">
@@ -5223,7 +5155,7 @@
                   </a:schemeClr>
                 </a:solidFill>
               </a:rPr>
-              <a:t>, </a:t>
+              <a:t>, Mathieu </a:t>
             </a:r>
             <a:r>
               <a:rPr lang="en-IN" dirty="0" err="1">
@@ -5233,7 +5165,7 @@
                   </a:schemeClr>
                 </a:solidFill>
               </a:rPr>
-              <a:t>Dr.</a:t>
+              <a:t>Blondel</a:t>
             </a:r>
             <a:r>
               <a:rPr lang="en-IN" dirty="0">
@@ -5243,7 +5175,7 @@
                   </a:schemeClr>
                 </a:solidFill>
               </a:rPr>
-              <a:t> </a:t>
+              <a:t>, Peter </a:t>
             </a:r>
             <a:r>
               <a:rPr lang="en-IN" dirty="0" err="1">
@@ -5253,7 +5185,7 @@
                   </a:schemeClr>
                 </a:solidFill>
               </a:rPr>
-              <a:t>Haiying</a:t>
+              <a:t>Prettenhofer</a:t>
             </a:r>
             <a:r>
               <a:rPr lang="en-IN" dirty="0">
@@ -5263,160 +5195,37 @@
                   </a:schemeClr>
                 </a:solidFill>
               </a:rPr>
-              <a:t> </a:t>
-            </a:r>
-            <a:r>
-              <a:rPr lang="en-IN" dirty="0" err="1" smtClean="0">
+              <a:t>, Ron Weiss, Vincent </a:t>
+            </a:r>
+            <a:r>
+              <a:rPr lang="en-IN" dirty="0" err="1">
                 <a:solidFill>
                   <a:schemeClr val="accent1">
                     <a:lumMod val="75000"/>
                   </a:schemeClr>
                 </a:solidFill>
               </a:rPr>
-              <a:t>Jia</a:t>
-            </a:r>
-            <a:endParaRPr lang="en-US" dirty="0" smtClean="0">
-              <a:solidFill>
-                <a:schemeClr val="accent1">
-                  <a:lumMod val="75000"/>
-                </a:schemeClr>
-              </a:solidFill>
-            </a:endParaRPr>
-          </a:p>
-          <a:p>
-            <a:pPr algn="just"/>
-            <a:r>
-              <a:rPr lang="en-IN" b="1" dirty="0" err="1" smtClean="0"/>
-              <a:t>LightGBM</a:t>
-            </a:r>
-            <a:r>
-              <a:rPr lang="en-IN" b="1" dirty="0"/>
-              <a:t>: A Highly Efficient Gradient Boosting Decision Tree [2017]</a:t>
-            </a:r>
-          </a:p>
-          <a:p>
-            <a:pPr marL="457200" lvl="1" indent="0" algn="just">
-              <a:buNone/>
-            </a:pPr>
-            <a:r>
-              <a:rPr lang="en-IN" dirty="0" err="1">
+              <a:t>Dubourg</a:t>
+            </a:r>
+            <a:r>
+              <a:rPr lang="en-IN" dirty="0">
                 <a:solidFill>
                   <a:schemeClr val="accent1">
                     <a:lumMod val="75000"/>
                   </a:schemeClr>
                 </a:solidFill>
               </a:rPr>
-              <a:t>Guolin</a:t>
-            </a:r>
-            <a:r>
-              <a:rPr lang="en-IN" dirty="0">
+              <a:t>, et </a:t>
+            </a:r>
+            <a:r>
+              <a:rPr lang="en-IN" dirty="0" smtClean="0">
                 <a:solidFill>
                   <a:schemeClr val="accent1">
                     <a:lumMod val="75000"/>
                   </a:schemeClr>
                 </a:solidFill>
               </a:rPr>
-              <a:t> </a:t>
-            </a:r>
-            <a:r>
-              <a:rPr lang="en-IN" dirty="0" err="1">
-                <a:solidFill>
-                  <a:schemeClr val="accent1">
-                    <a:lumMod val="75000"/>
-                  </a:schemeClr>
-                </a:solidFill>
-              </a:rPr>
-              <a:t>Ke</a:t>
-            </a:r>
-            <a:r>
-              <a:rPr lang="en-IN" dirty="0">
-                <a:solidFill>
-                  <a:schemeClr val="accent1">
-                    <a:lumMod val="75000"/>
-                  </a:schemeClr>
-                </a:solidFill>
-              </a:rPr>
-              <a:t> , Qi </a:t>
-            </a:r>
-            <a:r>
-              <a:rPr lang="en-IN" dirty="0" err="1">
-                <a:solidFill>
-                  <a:schemeClr val="accent1">
-                    <a:lumMod val="75000"/>
-                  </a:schemeClr>
-                </a:solidFill>
-              </a:rPr>
-              <a:t>Meng</a:t>
-            </a:r>
-            <a:r>
-              <a:rPr lang="en-IN" dirty="0">
-                <a:solidFill>
-                  <a:schemeClr val="accent1">
-                    <a:lumMod val="75000"/>
-                  </a:schemeClr>
-                </a:solidFill>
-              </a:rPr>
-              <a:t> , Thomas Finley , </a:t>
-            </a:r>
-            <a:r>
-              <a:rPr lang="en-IN" dirty="0" err="1">
-                <a:solidFill>
-                  <a:schemeClr val="accent1">
-                    <a:lumMod val="75000"/>
-                  </a:schemeClr>
-                </a:solidFill>
-              </a:rPr>
-              <a:t>Taifeng</a:t>
-            </a:r>
-            <a:r>
-              <a:rPr lang="en-IN" dirty="0">
-                <a:solidFill>
-                  <a:schemeClr val="accent1">
-                    <a:lumMod val="75000"/>
-                  </a:schemeClr>
-                </a:solidFill>
-              </a:rPr>
-              <a:t> Wang , Wei Chen , </a:t>
-            </a:r>
-            <a:r>
-              <a:rPr lang="en-IN" dirty="0" err="1">
-                <a:solidFill>
-                  <a:schemeClr val="accent1">
-                    <a:lumMod val="75000"/>
-                  </a:schemeClr>
-                </a:solidFill>
-              </a:rPr>
-              <a:t>Weidong</a:t>
-            </a:r>
-            <a:r>
-              <a:rPr lang="en-IN" dirty="0">
-                <a:solidFill>
-                  <a:schemeClr val="accent1">
-                    <a:lumMod val="75000"/>
-                  </a:schemeClr>
-                </a:solidFill>
-              </a:rPr>
-              <a:t> Ma , </a:t>
-            </a:r>
-            <a:r>
-              <a:rPr lang="en-IN" dirty="0" err="1">
-                <a:solidFill>
-                  <a:schemeClr val="accent1">
-                    <a:lumMod val="75000"/>
-                  </a:schemeClr>
-                </a:solidFill>
-              </a:rPr>
-              <a:t>Qiwei</a:t>
-            </a:r>
-            <a:r>
-              <a:rPr lang="en-IN" dirty="0">
-                <a:solidFill>
-                  <a:schemeClr val="accent1">
-                    <a:lumMod val="75000"/>
-                  </a:schemeClr>
-                </a:solidFill>
-              </a:rPr>
-              <a:t> Ye , Tie-Yan Liu</a:t>
+              <a:t>al</a:t>
             </a:r>
           </a:p>
           <a:p>
@@ -5431,6 +5240,24 @@
               </a:solidFill>
             </a:endParaRPr>
           </a:p>
+          <a:p>
+            <a:pPr marL="0" indent="0">
+              <a:buNone/>
+            </a:pPr>
+            <a:endParaRPr lang="en-US" dirty="0"/>
+          </a:p>
+          <a:p>
+            <a:pPr marL="0" indent="0">
+              <a:buNone/>
+            </a:pPr>
+            <a:endParaRPr lang="en-US" dirty="0"/>
+          </a:p>
+          <a:p>
+            <a:pPr marL="0" indent="0">
+              <a:buNone/>
+            </a:pPr>
+            <a:endParaRPr lang="en-IN" dirty="0"/>
+          </a:p>
         </p:txBody>
       </p:sp>
       <p:sp>
@@ -5459,7 +5286,7 @@
     </p:spTree>
     <p:extLst>
       <p:ext uri="{BB962C8B-B14F-4D97-AF65-F5344CB8AC3E}">
-        <p14:creationId xmlns:p14="http://schemas.microsoft.com/office/powerpoint/2010/main" val="719137337"/>
+        <p14:creationId xmlns:p14="http://schemas.microsoft.com/office/powerpoint/2010/main" val="1193806446"/>
       </p:ext>
     </p:extLst>
   </p:cSld>
@@ -5496,69 +5323,89 @@
             <p:ph idx="1"/>
           </p:nvPr>
         </p:nvSpPr>
-        <p:spPr/>
-        <p:txBody>
-          <a:bodyPr/>
-          <a:lstStyle/>
-          <a:p>
-            <a:r>
-              <a:rPr lang="en-IN" b="1" dirty="0"/>
-              <a:t>Customer Lifetime Value Prediction Using </a:t>
-            </a:r>
-            <a:r>
-              <a:rPr lang="en-IN" b="1" dirty="0" err="1"/>
-              <a:t>Embeddings</a:t>
-            </a:r>
-            <a:r>
-              <a:rPr lang="en-IN" b="1" dirty="0"/>
-              <a:t> [2017]</a:t>
-            </a:r>
-          </a:p>
-          <a:p>
-            <a:pPr marL="457200" lvl="1" indent="0">
+        <p:spPr>
+          <a:xfrm>
+            <a:off x="838200" y="1825624"/>
+            <a:ext cx="10515600" cy="4530725"/>
+          </a:xfrm>
+        </p:spPr>
+        <p:txBody>
+          <a:bodyPr>
+            <a:normAutofit lnSpcReduction="10000"/>
+          </a:bodyPr>
+          <a:lstStyle/>
+          <a:p>
+            <a:pPr algn="just"/>
+            <a:r>
+              <a:rPr lang="en-US" b="1" dirty="0"/>
+              <a:t>Customer Churn Prediction in Telecommunication A Decade Review and Classification [2013]</a:t>
+            </a:r>
+          </a:p>
+          <a:p>
+            <a:pPr marL="457200" lvl="1" indent="0" algn="just">
               <a:buNone/>
             </a:pPr>
             <a:r>
-              <a:rPr lang="en-IN" dirty="0">
+              <a:rPr lang="en-IN" dirty="0" err="1">
                 <a:solidFill>
                   <a:schemeClr val="accent1">
                     <a:lumMod val="75000"/>
                   </a:schemeClr>
                 </a:solidFill>
               </a:rPr>
-              <a:t>Benjamin Paul Chamberlain, Angelo Cardoso, C.H. Bryan Liu, Roberto </a:t>
-            </a:r>
-            <a:r>
-              <a:rPr lang="en-IN" dirty="0" err="1">
+              <a:t>Nabgha</a:t>
+            </a:r>
+            <a:r>
+              <a:rPr lang="en-IN" dirty="0">
                 <a:solidFill>
                   <a:schemeClr val="accent1">
                     <a:lumMod val="75000"/>
                   </a:schemeClr>
                 </a:solidFill>
               </a:rPr>
-              <a:t>Pagliari</a:t>
-            </a:r>
-            <a:r>
-              <a:rPr lang="en-IN" dirty="0">
+              <a:t> Hashmi ,Naveed </a:t>
+            </a:r>
+            <a:r>
+              <a:rPr lang="en-IN" dirty="0" err="1">
                 <a:solidFill>
                   <a:schemeClr val="accent1">
                     <a:lumMod val="75000"/>
                   </a:schemeClr>
                 </a:solidFill>
               </a:rPr>
-              <a:t>, Marc Peter </a:t>
-            </a:r>
-            <a:r>
-              <a:rPr lang="en-IN" dirty="0" err="1" smtClean="0">
+              <a:t>Anwer</a:t>
+            </a:r>
+            <a:r>
+              <a:rPr lang="en-IN" dirty="0">
                 <a:solidFill>
                   <a:schemeClr val="accent1">
                     <a:lumMod val="75000"/>
                   </a:schemeClr>
                 </a:solidFill>
               </a:rPr>
-              <a:t>Deisenroth</a:t>
-            </a:r>
-            <a:endParaRPr lang="en-IN" dirty="0" smtClean="0">
+              <a:t> Butt and </a:t>
+            </a:r>
+            <a:r>
+              <a:rPr lang="en-IN" dirty="0" err="1">
+                <a:solidFill>
+                  <a:schemeClr val="accent1">
+                    <a:lumMod val="75000"/>
+                  </a:schemeClr>
+                </a:solidFill>
+              </a:rPr>
+              <a:t>Dr.Muddesar</a:t>
+            </a:r>
+            <a:r>
+              <a:rPr lang="en-IN" dirty="0">
+                <a:solidFill>
+                  <a:schemeClr val="accent1">
+                    <a:lumMod val="75000"/>
+                  </a:schemeClr>
+                </a:solidFill>
+              </a:rPr>
+              <a:t> Iqbal</a:t>
+            </a:r>
+            <a:endParaRPr lang="en-US" dirty="0">
               <a:solidFill>
                 <a:schemeClr val="accent1">
                   <a:lumMod val="75000"/>
@@ -5567,63 +5414,367 @@
             </a:endParaRPr>
           </a:p>
           <a:p>
+            <a:r>
+              <a:rPr lang="en-US" b="1" dirty="0" smtClean="0"/>
+              <a:t>An </a:t>
+            </a:r>
+            <a:r>
+              <a:rPr lang="en-US" b="1" dirty="0"/>
+              <a:t>Integrated Framework to Recommend Personalized Retention Actions to Control B2C E-Commerce Customer Churn [2015]</a:t>
+            </a:r>
+          </a:p>
+          <a:p>
             <a:pPr marL="457200" lvl="1" indent="0">
               <a:buNone/>
             </a:pPr>
-            <a:endParaRPr lang="en-IN" b="1" dirty="0"/>
-          </a:p>
-          <a:p>
-            <a:pPr algn="just"/>
-            <a:r>
-              <a:rPr lang="en-US" b="1" dirty="0"/>
-              <a:t>Introduction to artificial neural networks [2018]</a:t>
-            </a:r>
-            <a:endParaRPr lang="en-IN" b="1" dirty="0"/>
-          </a:p>
-          <a:p>
-            <a:pPr marL="457200" lvl="1" indent="0" algn="just">
-              <a:buNone/>
-            </a:pPr>
-            <a:r>
-              <a:rPr lang="en-IN" dirty="0">
+            <a:r>
+              <a:rPr lang="en-US" dirty="0" err="1">
                 <a:solidFill>
                   <a:schemeClr val="accent1">
                     <a:lumMod val="75000"/>
                   </a:schemeClr>
                 </a:solidFill>
               </a:rPr>
-              <a:t>Enzo </a:t>
-            </a:r>
-            <a:r>
-              <a:rPr lang="en-IN" dirty="0" err="1">
+              <a:t>Shini</a:t>
+            </a:r>
+            <a:r>
+              <a:rPr lang="en-US" dirty="0">
                 <a:solidFill>
                   <a:schemeClr val="accent1">
                     <a:lumMod val="75000"/>
                   </a:schemeClr>
                 </a:solidFill>
               </a:rPr>
-              <a:t>Grossi</a:t>
-            </a:r>
-            <a:r>
-              <a:rPr lang="en-IN" dirty="0">
+              <a:t> </a:t>
+            </a:r>
+            <a:r>
+              <a:rPr lang="en-US" dirty="0" err="1">
                 <a:solidFill>
                   <a:schemeClr val="accent1">
                     <a:lumMod val="75000"/>
                   </a:schemeClr>
                 </a:solidFill>
               </a:rPr>
-              <a:t> , Massimo </a:t>
-            </a:r>
-            <a:r>
-              <a:rPr lang="en-IN" dirty="0" err="1">
+              <a:t>Renjith</a:t>
+            </a:r>
+            <a:r>
+              <a:rPr lang="en-US" dirty="0">
                 <a:solidFill>
                   <a:schemeClr val="accent1">
                     <a:lumMod val="75000"/>
                   </a:schemeClr>
                 </a:solidFill>
               </a:rPr>
-              <a:t>Buscema</a:t>
-            </a:r>
+              <a:t> </a:t>
+            </a:r>
+            <a:endParaRPr lang="en-US" b="1" dirty="0" smtClean="0"/>
+          </a:p>
+          <a:p>
+            <a:r>
+              <a:rPr lang="en-US" b="1" dirty="0" smtClean="0"/>
+              <a:t>Predicting </a:t>
+            </a:r>
+            <a:r>
+              <a:rPr lang="en-US" b="1" dirty="0"/>
+              <a:t>Shipping Time with Machine Learning</a:t>
+            </a:r>
+            <a:r>
+              <a:rPr lang="en-IN" b="1" dirty="0"/>
+              <a:t>. [2015]</a:t>
+            </a:r>
+          </a:p>
+          <a:p>
+            <a:pPr marL="457200" lvl="1" indent="0">
+              <a:buNone/>
+            </a:pPr>
+            <a:r>
+              <a:rPr lang="en-IN" dirty="0">
+                <a:solidFill>
+                  <a:schemeClr val="accent1">
+                    <a:lumMod val="75000"/>
+                  </a:schemeClr>
+                </a:solidFill>
+              </a:rPr>
+              <a:t>Antoine </a:t>
+            </a:r>
+            <a:r>
+              <a:rPr lang="en-IN" dirty="0" err="1">
+                <a:solidFill>
+                  <a:schemeClr val="accent1">
+                    <a:lumMod val="75000"/>
+                  </a:schemeClr>
+                </a:solidFill>
+              </a:rPr>
+              <a:t>Jonquais</a:t>
+            </a:r>
+            <a:r>
+              <a:rPr lang="en-IN" dirty="0">
+                <a:solidFill>
+                  <a:schemeClr val="accent1">
+                    <a:lumMod val="75000"/>
+                  </a:schemeClr>
+                </a:solidFill>
+              </a:rPr>
+              <a:t>, Florian </a:t>
+            </a:r>
+            <a:r>
+              <a:rPr lang="en-IN" dirty="0" err="1">
+                <a:solidFill>
+                  <a:schemeClr val="accent1">
+                    <a:lumMod val="75000"/>
+                  </a:schemeClr>
+                </a:solidFill>
+              </a:rPr>
+              <a:t>Krempl</a:t>
+            </a:r>
+            <a:r>
+              <a:rPr lang="en-IN" dirty="0">
+                <a:solidFill>
+                  <a:schemeClr val="accent1">
+                    <a:lumMod val="75000"/>
+                  </a:schemeClr>
+                </a:solidFill>
+              </a:rPr>
+              <a:t> Advisor, </a:t>
+            </a:r>
+            <a:r>
+              <a:rPr lang="en-IN" dirty="0" err="1">
+                <a:solidFill>
+                  <a:schemeClr val="accent1">
+                    <a:lumMod val="75000"/>
+                  </a:schemeClr>
+                </a:solidFill>
+              </a:rPr>
+              <a:t>Dr.</a:t>
+            </a:r>
+            <a:r>
+              <a:rPr lang="en-IN" dirty="0">
+                <a:solidFill>
+                  <a:schemeClr val="accent1">
+                    <a:lumMod val="75000"/>
+                  </a:schemeClr>
+                </a:solidFill>
+              </a:rPr>
+              <a:t> Roar </a:t>
+            </a:r>
+            <a:r>
+              <a:rPr lang="en-IN" dirty="0" err="1">
+                <a:solidFill>
+                  <a:schemeClr val="accent1">
+                    <a:lumMod val="75000"/>
+                  </a:schemeClr>
+                </a:solidFill>
+              </a:rPr>
+              <a:t>Adland</a:t>
+            </a:r>
+            <a:r>
+              <a:rPr lang="en-IN" dirty="0">
+                <a:solidFill>
+                  <a:schemeClr val="accent1">
+                    <a:lumMod val="75000"/>
+                  </a:schemeClr>
+                </a:solidFill>
+              </a:rPr>
+              <a:t>, </a:t>
+            </a:r>
+            <a:r>
+              <a:rPr lang="en-IN" dirty="0" err="1">
+                <a:solidFill>
+                  <a:schemeClr val="accent1">
+                    <a:lumMod val="75000"/>
+                  </a:schemeClr>
+                </a:solidFill>
+              </a:rPr>
+              <a:t>Dr.</a:t>
+            </a:r>
+            <a:r>
+              <a:rPr lang="en-IN" dirty="0">
+                <a:solidFill>
+                  <a:schemeClr val="accent1">
+                    <a:lumMod val="75000"/>
+                  </a:schemeClr>
+                </a:solidFill>
+              </a:rPr>
+              <a:t> </a:t>
+            </a:r>
+            <a:r>
+              <a:rPr lang="en-IN" dirty="0" err="1">
+                <a:solidFill>
+                  <a:schemeClr val="accent1">
+                    <a:lumMod val="75000"/>
+                  </a:schemeClr>
+                </a:solidFill>
+              </a:rPr>
+              <a:t>Haiying</a:t>
+            </a:r>
+            <a:r>
+              <a:rPr lang="en-IN" dirty="0">
+                <a:solidFill>
+                  <a:schemeClr val="accent1">
+                    <a:lumMod val="75000"/>
+                  </a:schemeClr>
+                </a:solidFill>
+              </a:rPr>
+              <a:t> </a:t>
+            </a:r>
+            <a:r>
+              <a:rPr lang="en-IN" dirty="0" err="1" smtClean="0">
+                <a:solidFill>
+                  <a:schemeClr val="accent1">
+                    <a:lumMod val="75000"/>
+                  </a:schemeClr>
+                </a:solidFill>
+              </a:rPr>
+              <a:t>Jia</a:t>
+            </a:r>
+            <a:endParaRPr lang="en-US" dirty="0" smtClean="0">
+              <a:solidFill>
+                <a:schemeClr val="accent1">
+                  <a:lumMod val="75000"/>
+                </a:schemeClr>
+              </a:solidFill>
+            </a:endParaRPr>
+          </a:p>
+          <a:p>
+            <a:pPr algn="just"/>
+            <a:r>
+              <a:rPr lang="en-IN" b="1" dirty="0" err="1" smtClean="0"/>
+              <a:t>LightGBM</a:t>
+            </a:r>
+            <a:r>
+              <a:rPr lang="en-IN" b="1" dirty="0"/>
+              <a:t>: A Highly Efficient Gradient Boosting Decision Tree [2017]</a:t>
+            </a:r>
+          </a:p>
+          <a:p>
+            <a:pPr marL="457200" lvl="1" indent="0" algn="just">
+              <a:buNone/>
+            </a:pPr>
+            <a:r>
+              <a:rPr lang="en-IN" dirty="0" err="1">
+                <a:solidFill>
+                  <a:schemeClr val="accent1">
+                    <a:lumMod val="75000"/>
+                  </a:schemeClr>
+                </a:solidFill>
+              </a:rPr>
+              <a:t>Guolin</a:t>
+            </a:r>
+            <a:r>
+              <a:rPr lang="en-IN" dirty="0">
+                <a:solidFill>
+                  <a:schemeClr val="accent1">
+                    <a:lumMod val="75000"/>
+                  </a:schemeClr>
+                </a:solidFill>
+              </a:rPr>
+              <a:t> </a:t>
+            </a:r>
+            <a:r>
+              <a:rPr lang="en-IN" dirty="0" err="1">
+                <a:solidFill>
+                  <a:schemeClr val="accent1">
+                    <a:lumMod val="75000"/>
+                  </a:schemeClr>
+                </a:solidFill>
+              </a:rPr>
+              <a:t>Ke</a:t>
+            </a:r>
+            <a:r>
+              <a:rPr lang="en-IN" dirty="0">
+                <a:solidFill>
+                  <a:schemeClr val="accent1">
+                    <a:lumMod val="75000"/>
+                  </a:schemeClr>
+                </a:solidFill>
+              </a:rPr>
+              <a:t> , Qi </a:t>
+            </a:r>
+            <a:r>
+              <a:rPr lang="en-IN" dirty="0" err="1">
+                <a:solidFill>
+                  <a:schemeClr val="accent1">
+                    <a:lumMod val="75000"/>
+                  </a:schemeClr>
+                </a:solidFill>
+              </a:rPr>
+              <a:t>Meng</a:t>
+            </a:r>
+            <a:r>
+              <a:rPr lang="en-IN" dirty="0">
+                <a:solidFill>
+                  <a:schemeClr val="accent1">
+                    <a:lumMod val="75000"/>
+                  </a:schemeClr>
+                </a:solidFill>
+              </a:rPr>
+              <a:t> , Thomas Finley , </a:t>
+            </a:r>
+            <a:r>
+              <a:rPr lang="en-IN" dirty="0" err="1">
+                <a:solidFill>
+                  <a:schemeClr val="accent1">
+                    <a:lumMod val="75000"/>
+                  </a:schemeClr>
+                </a:solidFill>
+              </a:rPr>
+              <a:t>Taifeng</a:t>
+            </a:r>
+            <a:r>
+              <a:rPr lang="en-IN" dirty="0">
+                <a:solidFill>
+                  <a:schemeClr val="accent1">
+                    <a:lumMod val="75000"/>
+                  </a:schemeClr>
+                </a:solidFill>
+              </a:rPr>
+              <a:t> Wang , Wei Chen , </a:t>
+            </a:r>
+            <a:r>
+              <a:rPr lang="en-IN" dirty="0" err="1">
+                <a:solidFill>
+                  <a:schemeClr val="accent1">
+                    <a:lumMod val="75000"/>
+                  </a:schemeClr>
+                </a:solidFill>
+              </a:rPr>
+              <a:t>Weidong</a:t>
+            </a:r>
+            <a:r>
+              <a:rPr lang="en-IN" dirty="0">
+                <a:solidFill>
+                  <a:schemeClr val="accent1">
+                    <a:lumMod val="75000"/>
+                  </a:schemeClr>
+                </a:solidFill>
+              </a:rPr>
+              <a:t> Ma , </a:t>
+            </a:r>
+            <a:r>
+              <a:rPr lang="en-IN" dirty="0" err="1">
+                <a:solidFill>
+                  <a:schemeClr val="accent1">
+                    <a:lumMod val="75000"/>
+                  </a:schemeClr>
+                </a:solidFill>
+              </a:rPr>
+              <a:t>Qiwei</a:t>
+            </a:r>
+            <a:r>
+              <a:rPr lang="en-IN" dirty="0">
+                <a:solidFill>
+                  <a:schemeClr val="accent1">
+                    <a:lumMod val="75000"/>
+                  </a:schemeClr>
+                </a:solidFill>
+              </a:rPr>
+              <a:t> Ye , Tie-Yan Liu</a:t>
+            </a:r>
+          </a:p>
+          <a:p>
+            <a:pPr marL="457200" lvl="1" indent="0" algn="just">
+              <a:buNone/>
+            </a:pPr>
             <a:endParaRPr lang="en-IN" dirty="0">
               <a:solidFill>
                 <a:schemeClr val="accent1">
@@ -5632,159 +5783,6 @@
               </a:solidFill>
             </a:endParaRPr>
           </a:p>
-          <a:p>
-            <a:endParaRPr lang="en-IN" b="1" dirty="0" smtClean="0"/>
-          </a:p>
-          <a:p>
-            <a:r>
-              <a:rPr lang="en-IN" b="1" dirty="0" smtClean="0"/>
-              <a:t>Online </a:t>
-            </a:r>
-            <a:r>
-              <a:rPr lang="en-IN" b="1" dirty="0"/>
-              <a:t>Fashion Commerce: Modelling Customer Promise Date [2021]</a:t>
-            </a:r>
-          </a:p>
-          <a:p>
-            <a:pPr marL="457200" lvl="1" indent="0">
-              <a:buNone/>
-            </a:pPr>
-            <a:r>
-              <a:rPr lang="en-IN" dirty="0" err="1">
-                <a:solidFill>
-                  <a:schemeClr val="accent1">
-                    <a:lumMod val="75000"/>
-                  </a:schemeClr>
-                </a:solidFill>
-              </a:rPr>
-              <a:t>Preethi</a:t>
-            </a:r>
-            <a:r>
-              <a:rPr lang="en-IN" dirty="0">
-                <a:solidFill>
-                  <a:schemeClr val="accent1">
-                    <a:lumMod val="75000"/>
-                  </a:schemeClr>
-                </a:solidFill>
-              </a:rPr>
-              <a:t> V, </a:t>
-            </a:r>
-            <a:r>
-              <a:rPr lang="en-IN" dirty="0" err="1">
-                <a:solidFill>
-                  <a:schemeClr val="accent1">
-                    <a:lumMod val="75000"/>
-                  </a:schemeClr>
-                </a:solidFill>
-              </a:rPr>
-              <a:t>Nachiappan</a:t>
-            </a:r>
-            <a:r>
-              <a:rPr lang="en-IN" dirty="0">
-                <a:solidFill>
-                  <a:schemeClr val="accent1">
-                    <a:lumMod val="75000"/>
-                  </a:schemeClr>
-                </a:solidFill>
-              </a:rPr>
-              <a:t> </a:t>
-            </a:r>
-            <a:r>
-              <a:rPr lang="en-IN" dirty="0" err="1">
-                <a:solidFill>
-                  <a:schemeClr val="accent1">
-                    <a:lumMod val="75000"/>
-                  </a:schemeClr>
-                </a:solidFill>
-              </a:rPr>
-              <a:t>Sundaram</a:t>
-            </a:r>
-            <a:r>
-              <a:rPr lang="en-IN" dirty="0">
-                <a:solidFill>
-                  <a:schemeClr val="accent1">
-                    <a:lumMod val="75000"/>
-                  </a:schemeClr>
-                </a:solidFill>
-              </a:rPr>
-              <a:t>, </a:t>
-            </a:r>
-            <a:r>
-              <a:rPr lang="en-IN" dirty="0" err="1">
-                <a:solidFill>
-                  <a:schemeClr val="accent1">
-                    <a:lumMod val="75000"/>
-                  </a:schemeClr>
-                </a:solidFill>
-              </a:rPr>
-              <a:t>Ravindra</a:t>
-            </a:r>
-            <a:r>
-              <a:rPr lang="en-IN" dirty="0">
-                <a:solidFill>
-                  <a:schemeClr val="accent1">
-                    <a:lumMod val="75000"/>
-                  </a:schemeClr>
-                </a:solidFill>
-              </a:rPr>
-              <a:t> </a:t>
-            </a:r>
-            <a:r>
-              <a:rPr lang="en-IN" dirty="0" err="1">
-                <a:solidFill>
-                  <a:schemeClr val="accent1">
-                    <a:lumMod val="75000"/>
-                  </a:schemeClr>
-                </a:solidFill>
-              </a:rPr>
-              <a:t>Babu</a:t>
-            </a:r>
-            <a:r>
-              <a:rPr lang="en-IN" dirty="0">
-                <a:solidFill>
-                  <a:schemeClr val="accent1">
-                    <a:lumMod val="75000"/>
-                  </a:schemeClr>
-                </a:solidFill>
-              </a:rPr>
-              <a:t> </a:t>
-            </a:r>
-            <a:r>
-              <a:rPr lang="en-IN" dirty="0" err="1">
-                <a:solidFill>
-                  <a:schemeClr val="accent1">
-                    <a:lumMod val="75000"/>
-                  </a:schemeClr>
-                </a:solidFill>
-              </a:rPr>
-              <a:t>Tallamraju</a:t>
-            </a:r>
-            <a:endParaRPr lang="en-IN" dirty="0">
-              <a:solidFill>
-                <a:schemeClr val="accent1">
-                  <a:lumMod val="75000"/>
-                </a:schemeClr>
-              </a:solidFill>
-            </a:endParaRPr>
-          </a:p>
-          <a:p>
-            <a:pPr marL="457200" lvl="1" indent="0">
-              <a:buNone/>
-            </a:pPr>
-            <a:endParaRPr lang="en-US" dirty="0">
-              <a:solidFill>
-                <a:schemeClr val="accent1">
-                  <a:lumMod val="75000"/>
-                </a:schemeClr>
-              </a:solidFill>
-            </a:endParaRPr>
-          </a:p>
-          <a:p>
-            <a:endParaRPr lang="en-IN" dirty="0"/>
-          </a:p>
-          <a:p>
-            <a:endParaRPr lang="en-US" dirty="0" smtClean="0"/>
-          </a:p>
         </p:txBody>
       </p:sp>
       <p:sp>
@@ -5813,7 +5811,7 @@
     </p:spTree>
     <p:extLst>
       <p:ext uri="{BB962C8B-B14F-4D97-AF65-F5344CB8AC3E}">
-        <p14:creationId xmlns:p14="http://schemas.microsoft.com/office/powerpoint/2010/main" val="4084328780"/>
+        <p14:creationId xmlns:p14="http://schemas.microsoft.com/office/powerpoint/2010/main" val="719137337"/>
       </p:ext>
     </p:extLst>
   </p:cSld>
@@ -5842,24 +5840,302 @@
       </p:grpSpPr>
       <p:sp>
         <p:nvSpPr>
-          <p:cNvPr id="5" name="Title 4"/>
-          <p:cNvSpPr>
-            <a:spLocks noGrp="1"/>
-          </p:cNvSpPr>
-          <p:nvPr>
-            <p:ph type="ctrTitle"/>
-          </p:nvPr>
-        </p:nvSpPr>
-        <p:spPr/>
-        <p:txBody>
-          <a:bodyPr/>
-          <a:lstStyle/>
+          <p:cNvPr id="3" name="Content Placeholder 2"/>
+          <p:cNvSpPr>
+            <a:spLocks noGrp="1"/>
+          </p:cNvSpPr>
+          <p:nvPr>
+            <p:ph idx="1"/>
+          </p:nvPr>
+        </p:nvSpPr>
+        <p:spPr/>
+        <p:txBody>
+          <a:bodyPr/>
+          <a:lstStyle/>
+          <a:p>
+            <a:r>
+              <a:rPr lang="en-IN" b="1" dirty="0"/>
+              <a:t>Customer Lifetime Value Prediction Using </a:t>
+            </a:r>
+            <a:r>
+              <a:rPr lang="en-IN" b="1" dirty="0" err="1"/>
+              <a:t>Embeddings</a:t>
+            </a:r>
+            <a:r>
+              <a:rPr lang="en-IN" b="1" dirty="0"/>
+              <a:t> [2017]</a:t>
+            </a:r>
+          </a:p>
+          <a:p>
+            <a:pPr marL="457200" lvl="1" indent="0">
+              <a:buNone/>
+            </a:pPr>
+            <a:r>
+              <a:rPr lang="en-IN" dirty="0">
+                <a:solidFill>
+                  <a:schemeClr val="accent1">
+                    <a:lumMod val="75000"/>
+                  </a:schemeClr>
+                </a:solidFill>
+              </a:rPr>
+              <a:t>Benjamin Paul Chamberlain, Angelo Cardoso, C.H. Bryan Liu, Roberto </a:t>
+            </a:r>
+            <a:r>
+              <a:rPr lang="en-IN" dirty="0" err="1">
+                <a:solidFill>
+                  <a:schemeClr val="accent1">
+                    <a:lumMod val="75000"/>
+                  </a:schemeClr>
+                </a:solidFill>
+              </a:rPr>
+              <a:t>Pagliari</a:t>
+            </a:r>
+            <a:r>
+              <a:rPr lang="en-IN" dirty="0">
+                <a:solidFill>
+                  <a:schemeClr val="accent1">
+                    <a:lumMod val="75000"/>
+                  </a:schemeClr>
+                </a:solidFill>
+              </a:rPr>
+              <a:t>, Marc Peter </a:t>
+            </a:r>
+            <a:r>
+              <a:rPr lang="en-IN" dirty="0" err="1" smtClean="0">
+                <a:solidFill>
+                  <a:schemeClr val="accent1">
+                    <a:lumMod val="75000"/>
+                  </a:schemeClr>
+                </a:solidFill>
+              </a:rPr>
+              <a:t>Deisenroth</a:t>
+            </a:r>
+            <a:endParaRPr lang="en-IN" dirty="0" smtClean="0">
+              <a:solidFill>
+                <a:schemeClr val="accent1">
+                  <a:lumMod val="75000"/>
+                </a:schemeClr>
+              </a:solidFill>
+            </a:endParaRPr>
+          </a:p>
+          <a:p>
+            <a:pPr marL="457200" lvl="1" indent="0">
+              <a:buNone/>
+            </a:pPr>
+            <a:endParaRPr lang="en-IN" b="1" dirty="0"/>
+          </a:p>
+          <a:p>
+            <a:pPr algn="just"/>
+            <a:r>
+              <a:rPr lang="en-US" b="1" dirty="0"/>
+              <a:t>Introduction to artificial neural networks [2018]</a:t>
+            </a:r>
+            <a:endParaRPr lang="en-IN" b="1" dirty="0"/>
+          </a:p>
+          <a:p>
+            <a:pPr marL="457200" lvl="1" indent="0" algn="just">
+              <a:buNone/>
+            </a:pPr>
+            <a:r>
+              <a:rPr lang="en-IN" dirty="0">
+                <a:solidFill>
+                  <a:schemeClr val="accent1">
+                    <a:lumMod val="75000"/>
+                  </a:schemeClr>
+                </a:solidFill>
+              </a:rPr>
+              <a:t>Enzo </a:t>
+            </a:r>
+            <a:r>
+              <a:rPr lang="en-IN" dirty="0" err="1">
+                <a:solidFill>
+                  <a:schemeClr val="accent1">
+                    <a:lumMod val="75000"/>
+                  </a:schemeClr>
+                </a:solidFill>
+              </a:rPr>
+              <a:t>Grossi</a:t>
+            </a:r>
+            <a:r>
+              <a:rPr lang="en-IN" dirty="0">
+                <a:solidFill>
+                  <a:schemeClr val="accent1">
+                    <a:lumMod val="75000"/>
+                  </a:schemeClr>
+                </a:solidFill>
+              </a:rPr>
+              <a:t> , Massimo </a:t>
+            </a:r>
+            <a:r>
+              <a:rPr lang="en-IN" dirty="0" err="1">
+                <a:solidFill>
+                  <a:schemeClr val="accent1">
+                    <a:lumMod val="75000"/>
+                  </a:schemeClr>
+                </a:solidFill>
+              </a:rPr>
+              <a:t>Buscema</a:t>
+            </a:r>
+            <a:endParaRPr lang="en-IN" dirty="0">
+              <a:solidFill>
+                <a:schemeClr val="accent1">
+                  <a:lumMod val="75000"/>
+                </a:schemeClr>
+              </a:solidFill>
+            </a:endParaRPr>
+          </a:p>
+          <a:p>
+            <a:endParaRPr lang="en-IN" b="1" dirty="0" smtClean="0"/>
+          </a:p>
           <a:p>
             <a:r>
               <a:rPr lang="en-IN" b="1" dirty="0" smtClean="0"/>
-              <a:t>Thank You </a:t>
-            </a:r>
-            <a:endParaRPr lang="en-IN" b="1" dirty="0"/>
+              <a:t>Online </a:t>
+            </a:r>
+            <a:r>
+              <a:rPr lang="en-IN" b="1" dirty="0"/>
+              <a:t>Fashion Commerce: Modelling Customer Promise Date [2021]</a:t>
+            </a:r>
+          </a:p>
+          <a:p>
+            <a:pPr marL="457200" lvl="1" indent="0">
+              <a:buNone/>
+            </a:pPr>
+            <a:r>
+              <a:rPr lang="en-IN" dirty="0" err="1">
+                <a:solidFill>
+                  <a:schemeClr val="accent1">
+                    <a:lumMod val="75000"/>
+                  </a:schemeClr>
+                </a:solidFill>
+              </a:rPr>
+              <a:t>Preethi</a:t>
+            </a:r>
+            <a:r>
+              <a:rPr lang="en-IN" dirty="0">
+                <a:solidFill>
+                  <a:schemeClr val="accent1">
+                    <a:lumMod val="75000"/>
+                  </a:schemeClr>
+                </a:solidFill>
+              </a:rPr>
+              <a:t> V, </a:t>
+            </a:r>
+            <a:r>
+              <a:rPr lang="en-IN" dirty="0" err="1">
+                <a:solidFill>
+                  <a:schemeClr val="accent1">
+                    <a:lumMod val="75000"/>
+                  </a:schemeClr>
+                </a:solidFill>
+              </a:rPr>
+              <a:t>Nachiappan</a:t>
+            </a:r>
+            <a:r>
+              <a:rPr lang="en-IN" dirty="0">
+                <a:solidFill>
+                  <a:schemeClr val="accent1">
+                    <a:lumMod val="75000"/>
+                  </a:schemeClr>
+                </a:solidFill>
+              </a:rPr>
+              <a:t> </a:t>
+            </a:r>
+            <a:r>
+              <a:rPr lang="en-IN" dirty="0" err="1">
+                <a:solidFill>
+                  <a:schemeClr val="accent1">
+                    <a:lumMod val="75000"/>
+                  </a:schemeClr>
+                </a:solidFill>
+              </a:rPr>
+              <a:t>Sundaram</a:t>
+            </a:r>
+            <a:r>
+              <a:rPr lang="en-IN" dirty="0">
+                <a:solidFill>
+                  <a:schemeClr val="accent1">
+                    <a:lumMod val="75000"/>
+                  </a:schemeClr>
+                </a:solidFill>
+              </a:rPr>
+              <a:t>, </a:t>
+            </a:r>
+            <a:r>
+              <a:rPr lang="en-IN" dirty="0" err="1">
+                <a:solidFill>
+                  <a:schemeClr val="accent1">
+                    <a:lumMod val="75000"/>
+                  </a:schemeClr>
+                </a:solidFill>
+              </a:rPr>
+              <a:t>Ravindra</a:t>
+            </a:r>
+            <a:r>
+              <a:rPr lang="en-IN" dirty="0">
+                <a:solidFill>
+                  <a:schemeClr val="accent1">
+                    <a:lumMod val="75000"/>
+                  </a:schemeClr>
+                </a:solidFill>
+              </a:rPr>
+              <a:t> </a:t>
+            </a:r>
+            <a:r>
+              <a:rPr lang="en-IN" dirty="0" err="1">
+                <a:solidFill>
+                  <a:schemeClr val="accent1">
+                    <a:lumMod val="75000"/>
+                  </a:schemeClr>
+                </a:solidFill>
+              </a:rPr>
+              <a:t>Babu</a:t>
+            </a:r>
+            <a:r>
+              <a:rPr lang="en-IN" dirty="0">
+                <a:solidFill>
+                  <a:schemeClr val="accent1">
+                    <a:lumMod val="75000"/>
+                  </a:schemeClr>
+                </a:solidFill>
+              </a:rPr>
+              <a:t> </a:t>
+            </a:r>
+            <a:r>
+              <a:rPr lang="en-IN" dirty="0" err="1">
+                <a:solidFill>
+                  <a:schemeClr val="accent1">
+                    <a:lumMod val="75000"/>
+                  </a:schemeClr>
+                </a:solidFill>
+              </a:rPr>
+              <a:t>Tallamraju</a:t>
+            </a:r>
+            <a:endParaRPr lang="en-IN" dirty="0">
+              <a:solidFill>
+                <a:schemeClr val="accent1">
+                  <a:lumMod val="75000"/>
+                </a:schemeClr>
+              </a:solidFill>
+            </a:endParaRPr>
+          </a:p>
+          <a:p>
+            <a:pPr marL="457200" lvl="1" indent="0">
+              <a:buNone/>
+            </a:pPr>
+            <a:endParaRPr lang="en-US" dirty="0">
+              <a:solidFill>
+                <a:schemeClr val="accent1">
+                  <a:lumMod val="75000"/>
+                </a:schemeClr>
+              </a:solidFill>
+            </a:endParaRPr>
+          </a:p>
+          <a:p>
+            <a:endParaRPr lang="en-IN" dirty="0"/>
+          </a:p>
+          <a:p>
+            <a:endParaRPr lang="en-US" dirty="0" smtClean="0"/>
           </a:p>
         </p:txBody>
       </p:sp>
@@ -5889,7 +6165,7 @@
     </p:spTree>
     <p:extLst>
       <p:ext uri="{BB962C8B-B14F-4D97-AF65-F5344CB8AC3E}">
-        <p14:creationId xmlns:p14="http://schemas.microsoft.com/office/powerpoint/2010/main" val="1885494107"/>
+        <p14:creationId xmlns:p14="http://schemas.microsoft.com/office/powerpoint/2010/main" val="4084328780"/>
       </p:ext>
     </p:extLst>
   </p:cSld>
@@ -6064,6 +6340,82 @@
     <p:extLst>
       <p:ext uri="{BB962C8B-B14F-4D97-AF65-F5344CB8AC3E}">
         <p14:creationId xmlns:p14="http://schemas.microsoft.com/office/powerpoint/2010/main" val="4101734483"/>
+      </p:ext>
+    </p:extLst>
+  </p:cSld>
+  <p:clrMapOvr>
+    <a:masterClrMapping/>
+  </p:clrMapOvr>
+</p:sld>
+</file>
+
+<file path=ppt/slides/slide20.xml><?xml version="1.0" encoding="utf-8"?>
+<p:sld xmlns:a="http://schemas.openxmlformats.org/drawingml/2006/main" xmlns:r="http://schemas.openxmlformats.org/officeDocument/2006/relationships" xmlns:p="http://schemas.openxmlformats.org/presentationml/2006/main">
+  <p:cSld>
+    <p:spTree>
+      <p:nvGrpSpPr>
+        <p:cNvPr id="1" name=""/>
+        <p:cNvGrpSpPr/>
+        <p:nvPr/>
+      </p:nvGrpSpPr>
+      <p:grpSpPr>
+        <a:xfrm>
+          <a:off x="0" y="0"/>
+          <a:ext cx="0" cy="0"/>
+          <a:chOff x="0" y="0"/>
+          <a:chExt cx="0" cy="0"/>
+        </a:xfrm>
+      </p:grpSpPr>
+      <p:sp>
+        <p:nvSpPr>
+          <p:cNvPr id="5" name="Title 4"/>
+          <p:cNvSpPr>
+            <a:spLocks noGrp="1"/>
+          </p:cNvSpPr>
+          <p:nvPr>
+            <p:ph type="ctrTitle"/>
+          </p:nvPr>
+        </p:nvSpPr>
+        <p:spPr/>
+        <p:txBody>
+          <a:bodyPr/>
+          <a:lstStyle/>
+          <a:p>
+            <a:r>
+              <a:rPr lang="en-IN" b="1" dirty="0" smtClean="0"/>
+              <a:t>Thank You </a:t>
+            </a:r>
+            <a:endParaRPr lang="en-IN" b="1" dirty="0"/>
+          </a:p>
+        </p:txBody>
+      </p:sp>
+      <p:sp>
+        <p:nvSpPr>
+          <p:cNvPr id="4" name="Footer Placeholder 3"/>
+          <p:cNvSpPr>
+            <a:spLocks noGrp="1"/>
+          </p:cNvSpPr>
+          <p:nvPr>
+            <p:ph type="ftr" sz="quarter" idx="11"/>
+          </p:nvPr>
+        </p:nvSpPr>
+        <p:spPr/>
+        <p:txBody>
+          <a:bodyPr/>
+          <a:lstStyle/>
+          <a:p>
+            <a:r>
+              <a:rPr lang="en-US" smtClean="0"/>
+              <a:t>School of Computer Science and Engineering           19BCE1856</a:t>
+            </a:r>
+            <a:endParaRPr lang="en-IN"/>
+          </a:p>
+        </p:txBody>
+      </p:sp>
+    </p:spTree>
+    <p:extLst>
+      <p:ext uri="{BB962C8B-B14F-4D97-AF65-F5344CB8AC3E}">
+        <p14:creationId xmlns:p14="http://schemas.microsoft.com/office/powerpoint/2010/main" val="1885494107"/>
       </p:ext>
     </p:extLst>
   </p:cSld>
@@ -6838,7 +7190,7 @@
             <a:pPr algn="ctr"/>
             <a:r>
               <a:rPr lang="en-US" b="1" dirty="0" smtClean="0"/>
-              <a:t>Proposed System</a:t>
+              <a:t>Proposed Algorithm</a:t>
             </a:r>
             <a:endParaRPr lang="en-IN" b="1" dirty="0"/>
           </a:p>
@@ -6862,6 +7214,48 @@
             <a:r>
               <a:rPr lang="en-US" dirty="0" smtClean="0"/>
               <a:t>Introduction-</a:t>
+            </a:r>
+          </a:p>
+          <a:p>
+            <a:pPr marL="457200" lvl="1" indent="0">
+              <a:buNone/>
+            </a:pPr>
+            <a:r>
+              <a:rPr lang="en-US" dirty="0" smtClean="0"/>
+              <a:t> </a:t>
+            </a:r>
+            <a:r>
+              <a:rPr lang="en-IN" dirty="0" smtClean="0"/>
+              <a:t>It is based on brain function and is used to model complicated patterns and forecast issues. The ANN is a Deep learning method that replicates the working of the human brain. It accepts only numeric and structured data.</a:t>
+            </a:r>
+            <a:br>
+              <a:rPr lang="en-IN" dirty="0" smtClean="0"/>
+            </a:br>
+            <a:r>
+              <a:rPr lang="en-IN" dirty="0" smtClean="0"/>
+              <a:t/>
+            </a:r>
+            <a:br>
+              <a:rPr lang="en-IN" dirty="0" smtClean="0"/>
+            </a:br>
+            <a:r>
+              <a:rPr lang="en-IN" dirty="0" smtClean="0"/>
+              <a:t>So, we will be cleaning the data and bringing it down to the simpler form, and feeding it to the multi-layer model that we will be creating.</a:t>
+            </a:r>
+          </a:p>
+          <a:p>
+            <a:pPr marL="457200" lvl="1" indent="0">
+              <a:buNone/>
+            </a:pPr>
+            <a:endParaRPr lang="en-IN" dirty="0"/>
+          </a:p>
+          <a:p>
+            <a:pPr marL="457200" lvl="1" indent="0">
+              <a:buNone/>
+            </a:pPr>
+            <a:r>
+              <a:rPr lang="en-IN" dirty="0" smtClean="0"/>
+              <a:t>We will try to get the best possible result and later on use any gradient booster. </a:t>
             </a:r>
             <a:endParaRPr lang="en-IN" dirty="0"/>
           </a:p>

--- a/CAPSTONE PROJECT REVIEW 2.pptx
+++ b/CAPSTONE PROJECT REVIEW 2.pptx
@@ -219,7 +219,7 @@
           <a:p>
             <a:fld id="{9D85B690-DA12-4685-B421-55013345D842}" type="datetimeFigureOut">
               <a:rPr lang="en-US" smtClean="0"/>
-              <a:t>1/13/2023</a:t>
+              <a:t>2/1/2023</a:t>
             </a:fld>
             <a:endParaRPr lang="en-US"/>
           </a:p>
@@ -385,7 +385,7 @@
           <a:p>
             <a:fld id="{46F41E90-DF02-4DDB-A645-EE4BD71F0959}" type="datetimeFigureOut">
               <a:rPr lang="en-IN" smtClean="0"/>
-              <a:t>13-01-2023</a:t>
+              <a:t>01-02-2023</a:t>
             </a:fld>
             <a:endParaRPr lang="en-IN"/>
           </a:p>
@@ -945,7 +945,7 @@
           <a:p>
             <a:fld id="{11E838E9-EAE7-4E4D-B3AA-1A963142A757}" type="datetime1">
               <a:rPr lang="en-IN" smtClean="0"/>
-              <a:t>13-01-2023</a:t>
+              <a:t>01-02-2023</a:t>
             </a:fld>
             <a:endParaRPr lang="en-IN"/>
           </a:p>
@@ -1119,7 +1119,7 @@
           <a:p>
             <a:fld id="{AF1DB0ED-F56E-4B51-8B1B-62E0A53DD30D}" type="datetime1">
               <a:rPr lang="en-IN" smtClean="0"/>
-              <a:t>13-01-2023</a:t>
+              <a:t>01-02-2023</a:t>
             </a:fld>
             <a:endParaRPr lang="en-IN"/>
           </a:p>
@@ -1303,7 +1303,7 @@
           <a:p>
             <a:fld id="{2988E2A2-003B-4659-AECA-91936C3457EC}" type="datetime1">
               <a:rPr lang="en-IN" smtClean="0"/>
-              <a:t>13-01-2023</a:t>
+              <a:t>01-02-2023</a:t>
             </a:fld>
             <a:endParaRPr lang="en-IN"/>
           </a:p>
@@ -1477,7 +1477,7 @@
           <a:p>
             <a:fld id="{28DAB1BE-DDCB-4C4D-951E-3E409B041F84}" type="datetime1">
               <a:rPr lang="en-IN" smtClean="0"/>
-              <a:t>13-01-2023</a:t>
+              <a:t>01-02-2023</a:t>
             </a:fld>
             <a:endParaRPr lang="en-IN"/>
           </a:p>
@@ -1727,7 +1727,7 @@
           <a:p>
             <a:fld id="{66741BB7-179C-4423-B1E4-4E3138585C0C}" type="datetime1">
               <a:rPr lang="en-IN" smtClean="0"/>
-              <a:t>13-01-2023</a:t>
+              <a:t>01-02-2023</a:t>
             </a:fld>
             <a:endParaRPr lang="en-IN"/>
           </a:p>
@@ -1963,7 +1963,7 @@
           <a:p>
             <a:fld id="{1EAE8D12-AF31-46C7-BBA6-E3C5B7D7AFEB}" type="datetime1">
               <a:rPr lang="en-IN" smtClean="0"/>
-              <a:t>13-01-2023</a:t>
+              <a:t>01-02-2023</a:t>
             </a:fld>
             <a:endParaRPr lang="en-IN"/>
           </a:p>
@@ -2334,7 +2334,7 @@
           <a:p>
             <a:fld id="{028DCE10-DDCD-469B-A16C-0144B564B405}" type="datetime1">
               <a:rPr lang="en-IN" smtClean="0"/>
-              <a:t>13-01-2023</a:t>
+              <a:t>01-02-2023</a:t>
             </a:fld>
             <a:endParaRPr lang="en-IN"/>
           </a:p>
@@ -2456,7 +2456,7 @@
           <a:p>
             <a:fld id="{556F0B93-B69F-4E23-8415-85435954A82A}" type="datetime1">
               <a:rPr lang="en-IN" smtClean="0"/>
-              <a:t>13-01-2023</a:t>
+              <a:t>01-02-2023</a:t>
             </a:fld>
             <a:endParaRPr lang="en-IN"/>
           </a:p>
@@ -2555,7 +2555,7 @@
           <a:p>
             <a:fld id="{02BE480A-B3D3-46A0-8603-32CC32B0DD85}" type="datetime1">
               <a:rPr lang="en-IN" smtClean="0"/>
-              <a:t>13-01-2023</a:t>
+              <a:t>01-02-2023</a:t>
             </a:fld>
             <a:endParaRPr lang="en-IN"/>
           </a:p>
@@ -2836,7 +2836,7 @@
           <a:p>
             <a:fld id="{728E2360-8943-4F3C-87D9-9C833B5C738F}" type="datetime1">
               <a:rPr lang="en-IN" smtClean="0"/>
-              <a:t>13-01-2023</a:t>
+              <a:t>01-02-2023</a:t>
             </a:fld>
             <a:endParaRPr lang="en-IN"/>
           </a:p>
@@ -3093,7 +3093,7 @@
           <a:p>
             <a:fld id="{1C760D9C-A744-40F9-A8C1-6334E3B3FAA4}" type="datetime1">
               <a:rPr lang="en-IN" smtClean="0"/>
-              <a:t>13-01-2023</a:t>
+              <a:t>01-02-2023</a:t>
             </a:fld>
             <a:endParaRPr lang="en-IN"/>
           </a:p>
@@ -3310,7 +3310,7 @@
           <a:p>
             <a:fld id="{B07534E3-81F7-4351-A3EA-2D7B4D65422C}" type="datetime1">
               <a:rPr lang="en-IN" smtClean="0"/>
-              <a:t>13-01-2023</a:t>
+              <a:t>01-02-2023</a:t>
             </a:fld>
             <a:endParaRPr lang="en-IN"/>
           </a:p>
@@ -4114,7 +4114,6 @@
               <a:rPr lang="en-US" dirty="0" smtClean="0"/>
               <a:t>Dividing dataset into train and test</a:t>
             </a:r>
-            <a:endParaRPr lang="en-US" dirty="0" smtClean="0"/>
           </a:p>
           <a:p>
             <a:pPr lvl="1">
@@ -4135,7 +4134,6 @@
               <a:rPr lang="en-US" dirty="0" smtClean="0"/>
               <a:t>Testing the model</a:t>
             </a:r>
-            <a:endParaRPr lang="en-US" dirty="0" smtClean="0"/>
           </a:p>
           <a:p>
             <a:pPr lvl="1">
@@ -4242,11 +4240,7 @@
           <a:p>
             <a:r>
               <a:rPr lang="en-US" dirty="0" smtClean="0"/>
-              <a:t>Explanation of </a:t>
-            </a:r>
-            <a:r>
-              <a:rPr lang="en-US" dirty="0" smtClean="0"/>
-              <a:t>Modules-</a:t>
+              <a:t>Explanation of Modules-</a:t>
             </a:r>
             <a:endParaRPr lang="en-IN" dirty="0"/>
           </a:p>
@@ -4713,6 +4707,30 @@
           </a:p>
         </p:txBody>
       </p:sp>
+      <p:pic>
+        <p:nvPicPr>
+          <p:cNvPr id="3" name="Picture 2"/>
+          <p:cNvPicPr>
+            <a:picLocks noChangeAspect="1"/>
+          </p:cNvPicPr>
+          <p:nvPr/>
+        </p:nvPicPr>
+        <p:blipFill>
+          <a:blip r:embed="rId2"/>
+          <a:stretch>
+            <a:fillRect/>
+          </a:stretch>
+        </p:blipFill>
+        <p:spPr>
+          <a:xfrm>
+            <a:off x="838200" y="1383606"/>
+            <a:ext cx="9707330" cy="4972744"/>
+          </a:xfrm>
+          <a:prstGeom prst="rect">
+            <a:avLst/>
+          </a:prstGeom>
+        </p:spPr>
+      </p:pic>
     </p:spTree>
     <p:extLst>
       <p:ext uri="{BB962C8B-B14F-4D97-AF65-F5344CB8AC3E}">
